--- a/data/topology/Topology_Grafik.pptx
+++ b/data/topology/Topology_Grafik.pptx
@@ -6,15 +6,16 @@
     <p:sldMasterId id="2147483793" r:id="rId2"/>
   </p:sldMasterIdLst>
   <p:notesMasterIdLst>
-    <p:notesMasterId r:id="rId6"/>
+    <p:notesMasterId r:id="rId7"/>
   </p:notesMasterIdLst>
   <p:handoutMasterIdLst>
-    <p:handoutMasterId r:id="rId7"/>
+    <p:handoutMasterId r:id="rId8"/>
   </p:handoutMasterIdLst>
   <p:sldIdLst>
     <p:sldId id="300" r:id="rId3"/>
-    <p:sldId id="304" r:id="rId4"/>
-    <p:sldId id="302" r:id="rId5"/>
+    <p:sldId id="305" r:id="rId4"/>
+    <p:sldId id="304" r:id="rId5"/>
+    <p:sldId id="302" r:id="rId6"/>
   </p:sldIdLst>
   <p:sldSz cx="12192000" cy="6858000"/>
   <p:notesSz cx="6797675" cy="9856788"/>
@@ -149,6 +150,7 @@
         <p14:section name="Standardabschnitt" id="{5CF9A5BE-0A61-4133-AC4C-F6277CB66B22}">
           <p14:sldIdLst>
             <p14:sldId id="300"/>
+            <p14:sldId id="305"/>
             <p14:sldId id="304"/>
           </p14:sldIdLst>
         </p14:section>
@@ -349,7 +351,7 @@
               <a:pPr>
                 <a:defRPr/>
               </a:pPr>
-              <a:t>24.09.2021</a:t>
+              <a:t>05.10.2021</a:t>
             </a:fld>
             <a:endParaRPr lang="de-DE" sz="1000" dirty="0">
               <a:latin typeface="Arial" pitchFamily="34" charset="0"/>
@@ -578,7 +580,7 @@
               <a:pPr>
                 <a:defRPr/>
               </a:pPr>
-              <a:t>24.09.2021</a:t>
+              <a:t>05.10.2021</a:t>
             </a:fld>
             <a:endParaRPr lang="de-DE" dirty="0"/>
           </a:p>
@@ -12465,6 +12467,726 @@
           <a:chExt cx="0" cy="0"/>
         </a:xfrm>
       </p:grpSpPr>
+      <p:sp>
+        <p:nvSpPr>
+          <p:cNvPr id="2" name="Titel 1"/>
+          <p:cNvSpPr>
+            <a:spLocks noGrp="1"/>
+          </p:cNvSpPr>
+          <p:nvPr>
+            <p:ph type="title"/>
+          </p:nvPr>
+        </p:nvSpPr>
+        <p:spPr/>
+        <p:txBody>
+          <a:bodyPr/>
+          <a:lstStyle/>
+          <a:p>
+            <a:r>
+              <a:rPr lang="de-DE" dirty="0" smtClean="0"/>
+              <a:t>Homo</a:t>
+            </a:r>
+            <a:endParaRPr lang="de-DE" dirty="0"/>
+          </a:p>
+        </p:txBody>
+      </p:sp>
+      <p:cxnSp>
+        <p:nvCxnSpPr>
+          <p:cNvPr id="6" name="Gerader Verbinder 5"/>
+          <p:cNvCxnSpPr/>
+          <p:nvPr/>
+        </p:nvCxnSpPr>
+        <p:spPr>
+          <a:xfrm>
+            <a:off x="2609850" y="2184962"/>
+            <a:ext cx="1783041" cy="0"/>
+          </a:xfrm>
+          <a:prstGeom prst="line">
+            <a:avLst/>
+          </a:prstGeom>
+          <a:ln w="76200">
+            <a:solidFill>
+              <a:srgbClr val="DEA900"/>
+            </a:solidFill>
+          </a:ln>
+        </p:spPr>
+        <p:style>
+          <a:lnRef idx="1">
+            <a:schemeClr val="accent1"/>
+          </a:lnRef>
+          <a:fillRef idx="0">
+            <a:schemeClr val="accent1"/>
+          </a:fillRef>
+          <a:effectRef idx="0">
+            <a:schemeClr val="accent1"/>
+          </a:effectRef>
+          <a:fontRef idx="minor">
+            <a:schemeClr val="tx1"/>
+          </a:fontRef>
+        </p:style>
+      </p:cxnSp>
+      <p:sp>
+        <p:nvSpPr>
+          <p:cNvPr id="8" name="Textfeld 7"/>
+          <p:cNvSpPr txBox="1"/>
+          <p:nvPr/>
+        </p:nvSpPr>
+        <p:spPr>
+          <a:xfrm>
+            <a:off x="8286948" y="2093235"/>
+            <a:ext cx="685994" cy="128499"/>
+          </a:xfrm>
+          <a:prstGeom prst="rect">
+            <a:avLst/>
+          </a:prstGeom>
+          <a:noFill/>
+        </p:spPr>
+        <p:txBody>
+          <a:bodyPr wrap="none" lIns="0" tIns="0" rIns="0" bIns="0" rtlCol="0">
+            <a:spAutoFit/>
+          </a:bodyPr>
+          <a:lstStyle/>
+          <a:p>
+            <a:r>
+              <a:rPr lang="de-DE" sz="800" b="1" dirty="0"/>
+              <a:t>Wärmebedarf</a:t>
+            </a:r>
+          </a:p>
+        </p:txBody>
+      </p:sp>
+      <p:cxnSp>
+        <p:nvCxnSpPr>
+          <p:cNvPr id="11" name="Gerader Verbinder 10"/>
+          <p:cNvCxnSpPr/>
+          <p:nvPr/>
+        </p:nvCxnSpPr>
+        <p:spPr>
+          <a:xfrm>
+            <a:off x="2507365" y="4758296"/>
+            <a:ext cx="5364095" cy="0"/>
+          </a:xfrm>
+          <a:prstGeom prst="line">
+            <a:avLst/>
+          </a:prstGeom>
+          <a:ln w="76200">
+            <a:solidFill>
+              <a:srgbClr val="168213"/>
+            </a:solidFill>
+          </a:ln>
+        </p:spPr>
+        <p:style>
+          <a:lnRef idx="1">
+            <a:schemeClr val="accent1"/>
+          </a:lnRef>
+          <a:fillRef idx="0">
+            <a:schemeClr val="accent1"/>
+          </a:fillRef>
+          <a:effectRef idx="0">
+            <a:schemeClr val="accent1"/>
+          </a:effectRef>
+          <a:fontRef idx="minor">
+            <a:schemeClr val="tx1"/>
+          </a:fontRef>
+        </p:style>
+      </p:cxnSp>
+      <p:sp>
+        <p:nvSpPr>
+          <p:cNvPr id="47" name="Textfeld 46"/>
+          <p:cNvSpPr txBox="1"/>
+          <p:nvPr/>
+        </p:nvSpPr>
+        <p:spPr>
+          <a:xfrm>
+            <a:off x="3876468" y="1555709"/>
+            <a:ext cx="348017" cy="256996"/>
+          </a:xfrm>
+          <a:prstGeom prst="rect">
+            <a:avLst/>
+          </a:prstGeom>
+          <a:noFill/>
+        </p:spPr>
+        <p:txBody>
+          <a:bodyPr wrap="none" lIns="0" tIns="0" rIns="0" bIns="0" rtlCol="0">
+            <a:spAutoFit/>
+          </a:bodyPr>
+          <a:lstStyle/>
+          <a:p>
+            <a:r>
+              <a:rPr lang="de-DE" sz="800" b="1" dirty="0"/>
+              <a:t>Gas</a:t>
+            </a:r>
+          </a:p>
+          <a:p>
+            <a:r>
+              <a:rPr lang="de-DE" sz="800" b="1" dirty="0"/>
+              <a:t>Kessel</a:t>
+            </a:r>
+          </a:p>
+        </p:txBody>
+      </p:sp>
+      <p:sp>
+        <p:nvSpPr>
+          <p:cNvPr id="53" name="Textfeld 52"/>
+          <p:cNvSpPr txBox="1"/>
+          <p:nvPr/>
+        </p:nvSpPr>
+        <p:spPr>
+          <a:xfrm>
+            <a:off x="2166837" y="1614702"/>
+            <a:ext cx="578913" cy="128499"/>
+          </a:xfrm>
+          <a:prstGeom prst="rect">
+            <a:avLst/>
+          </a:prstGeom>
+          <a:noFill/>
+        </p:spPr>
+        <p:txBody>
+          <a:bodyPr wrap="none" lIns="0" tIns="0" rIns="0" bIns="0" rtlCol="0">
+            <a:spAutoFit/>
+          </a:bodyPr>
+          <a:lstStyle/>
+          <a:p>
+            <a:pPr algn="r"/>
+            <a:r>
+              <a:rPr lang="de-DE" sz="800" b="1" dirty="0"/>
+              <a:t>Erdgasnetz</a:t>
+            </a:r>
+          </a:p>
+        </p:txBody>
+      </p:sp>
+      <p:sp>
+        <p:nvSpPr>
+          <p:cNvPr id="54" name="Textfeld 53"/>
+          <p:cNvSpPr txBox="1"/>
+          <p:nvPr/>
+        </p:nvSpPr>
+        <p:spPr>
+          <a:xfrm>
+            <a:off x="2222052" y="4178810"/>
+            <a:ext cx="523698" cy="128499"/>
+          </a:xfrm>
+          <a:prstGeom prst="rect">
+            <a:avLst/>
+          </a:prstGeom>
+          <a:noFill/>
+        </p:spPr>
+        <p:txBody>
+          <a:bodyPr wrap="none" lIns="0" tIns="0" rIns="0" bIns="0" rtlCol="0">
+            <a:spAutoFit/>
+          </a:bodyPr>
+          <a:lstStyle/>
+          <a:p>
+            <a:pPr algn="r"/>
+            <a:r>
+              <a:rPr lang="de-DE" sz="800" b="1" dirty="0"/>
+              <a:t>Stromnetz</a:t>
+            </a:r>
+          </a:p>
+        </p:txBody>
+      </p:sp>
+      <p:sp>
+        <p:nvSpPr>
+          <p:cNvPr id="61" name="Textfeld 60"/>
+          <p:cNvSpPr txBox="1"/>
+          <p:nvPr/>
+        </p:nvSpPr>
+        <p:spPr>
+          <a:xfrm>
+            <a:off x="8286948" y="4664515"/>
+            <a:ext cx="637473" cy="128499"/>
+          </a:xfrm>
+          <a:prstGeom prst="rect">
+            <a:avLst/>
+          </a:prstGeom>
+          <a:noFill/>
+        </p:spPr>
+        <p:txBody>
+          <a:bodyPr wrap="none" lIns="0" tIns="0" rIns="0" bIns="0" rtlCol="0">
+            <a:spAutoFit/>
+          </a:bodyPr>
+          <a:lstStyle/>
+          <a:p>
+            <a:r>
+              <a:rPr lang="de-DE" sz="800" b="1" dirty="0"/>
+              <a:t>Strombedarf</a:t>
+            </a:r>
+          </a:p>
+        </p:txBody>
+      </p:sp>
+      <p:sp>
+        <p:nvSpPr>
+          <p:cNvPr id="62" name="Textfeld 61"/>
+          <p:cNvSpPr txBox="1"/>
+          <p:nvPr/>
+        </p:nvSpPr>
+        <p:spPr>
+          <a:xfrm>
+            <a:off x="6396241" y="1748480"/>
+            <a:ext cx="673261" cy="123111"/>
+          </a:xfrm>
+          <a:prstGeom prst="rect">
+            <a:avLst/>
+          </a:prstGeom>
+          <a:noFill/>
+        </p:spPr>
+        <p:txBody>
+          <a:bodyPr wrap="none" lIns="0" tIns="0" rIns="0" bIns="0" rtlCol="0">
+            <a:spAutoFit/>
+          </a:bodyPr>
+          <a:lstStyle/>
+          <a:p>
+            <a:r>
+              <a:rPr lang="de-DE" sz="800" b="1" dirty="0" err="1" smtClean="0"/>
+              <a:t>HomoStorage</a:t>
+            </a:r>
+            <a:endParaRPr lang="de-DE" sz="800" b="1" dirty="0"/>
+          </a:p>
+        </p:txBody>
+      </p:sp>
+      <p:sp>
+        <p:nvSpPr>
+          <p:cNvPr id="131" name="Gleichschenkliges Dreieck 130"/>
+          <p:cNvSpPr/>
+          <p:nvPr/>
+        </p:nvSpPr>
+        <p:spPr>
+          <a:xfrm rot="5400000">
+            <a:off x="3156962" y="2144594"/>
+            <a:ext cx="243920" cy="80737"/>
+          </a:xfrm>
+          <a:prstGeom prst="triangle">
+            <a:avLst/>
+          </a:prstGeom>
+          <a:solidFill>
+            <a:srgbClr val="DEA900"/>
+          </a:solidFill>
+          <a:ln>
+            <a:solidFill>
+              <a:schemeClr val="bg1"/>
+            </a:solidFill>
+          </a:ln>
+        </p:spPr>
+        <p:style>
+          <a:lnRef idx="2">
+            <a:schemeClr val="accent1">
+              <a:shade val="50000"/>
+            </a:schemeClr>
+          </a:lnRef>
+          <a:fillRef idx="1">
+            <a:schemeClr val="accent1"/>
+          </a:fillRef>
+          <a:effectRef idx="0">
+            <a:schemeClr val="accent1"/>
+          </a:effectRef>
+          <a:fontRef idx="minor">
+            <a:schemeClr val="lt1"/>
+          </a:fontRef>
+        </p:style>
+        <p:txBody>
+          <a:bodyPr rtlCol="0" anchor="ctr"/>
+          <a:lstStyle/>
+          <a:p>
+            <a:pPr algn="ctr"/>
+            <a:endParaRPr lang="de-DE"/>
+          </a:p>
+        </p:txBody>
+      </p:sp>
+      <p:cxnSp>
+        <p:nvCxnSpPr>
+          <p:cNvPr id="95" name="Gerader Verbinder 94"/>
+          <p:cNvCxnSpPr/>
+          <p:nvPr/>
+        </p:nvCxnSpPr>
+        <p:spPr>
+          <a:xfrm>
+            <a:off x="4392891" y="2184962"/>
+            <a:ext cx="3478569" cy="0"/>
+          </a:xfrm>
+          <a:prstGeom prst="line">
+            <a:avLst/>
+          </a:prstGeom>
+          <a:ln w="76200">
+            <a:solidFill>
+              <a:srgbClr val="C00000"/>
+            </a:solidFill>
+          </a:ln>
+        </p:spPr>
+        <p:style>
+          <a:lnRef idx="1">
+            <a:schemeClr val="accent1"/>
+          </a:lnRef>
+          <a:fillRef idx="0">
+            <a:schemeClr val="accent1"/>
+          </a:fillRef>
+          <a:effectRef idx="0">
+            <a:schemeClr val="accent1"/>
+          </a:effectRef>
+          <a:fontRef idx="minor">
+            <a:schemeClr val="tx1"/>
+          </a:fontRef>
+        </p:style>
+      </p:cxnSp>
+      <p:sp>
+        <p:nvSpPr>
+          <p:cNvPr id="97" name="Gleichschenkliges Dreieck 96"/>
+          <p:cNvSpPr/>
+          <p:nvPr/>
+        </p:nvSpPr>
+        <p:spPr>
+          <a:xfrm rot="16200000" flipV="1">
+            <a:off x="7222210" y="2144594"/>
+            <a:ext cx="243920" cy="80737"/>
+          </a:xfrm>
+          <a:prstGeom prst="triangle">
+            <a:avLst/>
+          </a:prstGeom>
+          <a:solidFill>
+            <a:srgbClr val="C00000"/>
+          </a:solidFill>
+          <a:ln>
+            <a:solidFill>
+              <a:schemeClr val="bg1"/>
+            </a:solidFill>
+          </a:ln>
+        </p:spPr>
+        <p:style>
+          <a:lnRef idx="2">
+            <a:schemeClr val="accent1">
+              <a:shade val="50000"/>
+            </a:schemeClr>
+          </a:lnRef>
+          <a:fillRef idx="1">
+            <a:schemeClr val="accent1"/>
+          </a:fillRef>
+          <a:effectRef idx="0">
+            <a:schemeClr val="accent1"/>
+          </a:effectRef>
+          <a:fontRef idx="minor">
+            <a:schemeClr val="lt1"/>
+          </a:fontRef>
+        </p:style>
+        <p:txBody>
+          <a:bodyPr rtlCol="0" anchor="ctr"/>
+          <a:lstStyle/>
+          <a:p>
+            <a:pPr algn="ctr"/>
+            <a:endParaRPr lang="de-DE"/>
+          </a:p>
+        </p:txBody>
+      </p:sp>
+      <p:pic>
+        <p:nvPicPr>
+          <p:cNvPr id="100" name="Grafik 99"/>
+          <p:cNvPicPr>
+            <a:picLocks noChangeAspect="1"/>
+          </p:cNvPicPr>
+          <p:nvPr/>
+        </p:nvPicPr>
+        <p:blipFill>
+          <a:blip r:embed="rId2">
+            <a:extLst>
+              <a:ext uri="{28A0092B-C50C-407E-A947-70E740481C1C}">
+                <a14:useLocalDpi xmlns:a14="http://schemas.microsoft.com/office/drawing/2010/main" val="0"/>
+              </a:ext>
+            </a:extLst>
+          </a:blip>
+          <a:stretch>
+            <a:fillRect/>
+          </a:stretch>
+        </p:blipFill>
+        <p:spPr>
+          <a:xfrm>
+            <a:off x="7614281" y="4473252"/>
+            <a:ext cx="532730" cy="511027"/>
+          </a:xfrm>
+          <a:prstGeom prst="rect">
+            <a:avLst/>
+          </a:prstGeom>
+        </p:spPr>
+      </p:pic>
+      <p:pic>
+        <p:nvPicPr>
+          <p:cNvPr id="101" name="Grafik 100"/>
+          <p:cNvPicPr>
+            <a:picLocks noChangeAspect="1"/>
+          </p:cNvPicPr>
+          <p:nvPr/>
+        </p:nvPicPr>
+        <p:blipFill>
+          <a:blip r:embed="rId3">
+            <a:extLst>
+              <a:ext uri="{28A0092B-C50C-407E-A947-70E740481C1C}">
+                <a14:useLocalDpi xmlns:a14="http://schemas.microsoft.com/office/drawing/2010/main" val="0"/>
+              </a:ext>
+            </a:extLst>
+          </a:blip>
+          <a:stretch>
+            <a:fillRect/>
+          </a:stretch>
+        </p:blipFill>
+        <p:spPr>
+          <a:xfrm>
+            <a:off x="7614281" y="1901972"/>
+            <a:ext cx="532730" cy="511027"/>
+          </a:xfrm>
+          <a:prstGeom prst="rect">
+            <a:avLst/>
+          </a:prstGeom>
+        </p:spPr>
+      </p:pic>
+      <p:pic>
+        <p:nvPicPr>
+          <p:cNvPr id="102" name="Grafik 101"/>
+          <p:cNvPicPr>
+            <a:picLocks noChangeAspect="1"/>
+          </p:cNvPicPr>
+          <p:nvPr/>
+        </p:nvPicPr>
+        <p:blipFill>
+          <a:blip r:embed="rId4">
+            <a:extLst>
+              <a:ext uri="{28A0092B-C50C-407E-A947-70E740481C1C}">
+                <a14:useLocalDpi xmlns:a14="http://schemas.microsoft.com/office/drawing/2010/main" val="0"/>
+              </a:ext>
+            </a:extLst>
+          </a:blip>
+          <a:stretch>
+            <a:fillRect/>
+          </a:stretch>
+        </p:blipFill>
+        <p:spPr>
+          <a:xfrm>
+            <a:off x="5823188" y="1929449"/>
+            <a:ext cx="532730" cy="511027"/>
+          </a:xfrm>
+          <a:prstGeom prst="rect">
+            <a:avLst/>
+          </a:prstGeom>
+        </p:spPr>
+      </p:pic>
+      <p:pic>
+        <p:nvPicPr>
+          <p:cNvPr id="105" name="Grafik 104"/>
+          <p:cNvPicPr>
+            <a:picLocks noChangeAspect="1"/>
+          </p:cNvPicPr>
+          <p:nvPr/>
+        </p:nvPicPr>
+        <p:blipFill>
+          <a:blip r:embed="rId5">
+            <a:extLst>
+              <a:ext uri="{28A0092B-C50C-407E-A947-70E740481C1C}">
+                <a14:useLocalDpi xmlns:a14="http://schemas.microsoft.com/office/drawing/2010/main" val="0"/>
+              </a:ext>
+            </a:extLst>
+          </a:blip>
+          <a:stretch>
+            <a:fillRect/>
+          </a:stretch>
+        </p:blipFill>
+        <p:spPr>
+          <a:xfrm>
+            <a:off x="2241000" y="1929449"/>
+            <a:ext cx="532730" cy="511027"/>
+          </a:xfrm>
+          <a:prstGeom prst="rect">
+            <a:avLst/>
+          </a:prstGeom>
+        </p:spPr>
+      </p:pic>
+      <p:pic>
+        <p:nvPicPr>
+          <p:cNvPr id="106" name="Grafik 105"/>
+          <p:cNvPicPr>
+            <a:picLocks noChangeAspect="1"/>
+          </p:cNvPicPr>
+          <p:nvPr/>
+        </p:nvPicPr>
+        <p:blipFill>
+          <a:blip r:embed="rId6">
+            <a:extLst>
+              <a:ext uri="{28A0092B-C50C-407E-A947-70E740481C1C}">
+                <a14:useLocalDpi xmlns:a14="http://schemas.microsoft.com/office/drawing/2010/main" val="0"/>
+              </a:ext>
+            </a:extLst>
+          </a:blip>
+          <a:stretch>
+            <a:fillRect/>
+          </a:stretch>
+        </p:blipFill>
+        <p:spPr>
+          <a:xfrm>
+            <a:off x="2241000" y="4473252"/>
+            <a:ext cx="532730" cy="511027"/>
+          </a:xfrm>
+          <a:prstGeom prst="rect">
+            <a:avLst/>
+          </a:prstGeom>
+        </p:spPr>
+      </p:pic>
+      <p:pic>
+        <p:nvPicPr>
+          <p:cNvPr id="112" name="Grafik 111"/>
+          <p:cNvPicPr>
+            <a:picLocks noChangeAspect="1"/>
+          </p:cNvPicPr>
+          <p:nvPr/>
+        </p:nvPicPr>
+        <p:blipFill>
+          <a:blip r:embed="rId7">
+            <a:extLst>
+              <a:ext uri="{28A0092B-C50C-407E-A947-70E740481C1C}">
+                <a14:useLocalDpi xmlns:a14="http://schemas.microsoft.com/office/drawing/2010/main" val="0"/>
+              </a:ext>
+            </a:extLst>
+          </a:blip>
+          <a:stretch>
+            <a:fillRect/>
+          </a:stretch>
+        </p:blipFill>
+        <p:spPr>
+          <a:xfrm>
+            <a:off x="4032094" y="1929449"/>
+            <a:ext cx="532730" cy="511027"/>
+          </a:xfrm>
+          <a:prstGeom prst="rect">
+            <a:avLst/>
+          </a:prstGeom>
+        </p:spPr>
+      </p:pic>
+      <p:sp>
+        <p:nvSpPr>
+          <p:cNvPr id="188" name="Gleichschenkliges Dreieck 187"/>
+          <p:cNvSpPr/>
+          <p:nvPr/>
+        </p:nvSpPr>
+        <p:spPr>
+          <a:xfrm rot="16200000" flipV="1">
+            <a:off x="5205023" y="2144594"/>
+            <a:ext cx="243920" cy="80737"/>
+          </a:xfrm>
+          <a:prstGeom prst="triangle">
+            <a:avLst/>
+          </a:prstGeom>
+          <a:solidFill>
+            <a:srgbClr val="C00000"/>
+          </a:solidFill>
+          <a:ln>
+            <a:solidFill>
+              <a:schemeClr val="bg1"/>
+            </a:solidFill>
+          </a:ln>
+        </p:spPr>
+        <p:style>
+          <a:lnRef idx="2">
+            <a:schemeClr val="accent1">
+              <a:shade val="50000"/>
+            </a:schemeClr>
+          </a:lnRef>
+          <a:fillRef idx="1">
+            <a:schemeClr val="accent1"/>
+          </a:fillRef>
+          <a:effectRef idx="0">
+            <a:schemeClr val="accent1"/>
+          </a:effectRef>
+          <a:fontRef idx="minor">
+            <a:schemeClr val="lt1"/>
+          </a:fontRef>
+        </p:style>
+        <p:txBody>
+          <a:bodyPr rtlCol="0" anchor="ctr"/>
+          <a:lstStyle/>
+          <a:p>
+            <a:pPr algn="ctr"/>
+            <a:endParaRPr lang="de-DE"/>
+          </a:p>
+        </p:txBody>
+      </p:sp>
+      <p:sp>
+        <p:nvSpPr>
+          <p:cNvPr id="56" name="Gleichschenkliges Dreieck 55"/>
+          <p:cNvSpPr/>
+          <p:nvPr/>
+        </p:nvSpPr>
+        <p:spPr>
+          <a:xfrm rot="16200000" flipV="1">
+            <a:off x="5266759" y="4717927"/>
+            <a:ext cx="243920" cy="80737"/>
+          </a:xfrm>
+          <a:prstGeom prst="triangle">
+            <a:avLst/>
+          </a:prstGeom>
+          <a:solidFill>
+            <a:srgbClr val="168213"/>
+          </a:solidFill>
+          <a:ln>
+            <a:solidFill>
+              <a:schemeClr val="bg1"/>
+            </a:solidFill>
+          </a:ln>
+        </p:spPr>
+        <p:style>
+          <a:lnRef idx="2">
+            <a:schemeClr val="accent1">
+              <a:shade val="50000"/>
+            </a:schemeClr>
+          </a:lnRef>
+          <a:fillRef idx="1">
+            <a:schemeClr val="accent1"/>
+          </a:fillRef>
+          <a:effectRef idx="0">
+            <a:schemeClr val="accent1"/>
+          </a:effectRef>
+          <a:fontRef idx="minor">
+            <a:schemeClr val="lt1"/>
+          </a:fontRef>
+        </p:style>
+        <p:txBody>
+          <a:bodyPr rtlCol="0" anchor="ctr"/>
+          <a:lstStyle/>
+          <a:p>
+            <a:pPr algn="ctr"/>
+            <a:endParaRPr lang="de-DE"/>
+          </a:p>
+        </p:txBody>
+      </p:sp>
+    </p:spTree>
+    <p:extLst>
+      <p:ext uri="{BB962C8B-B14F-4D97-AF65-F5344CB8AC3E}">
+        <p14:creationId xmlns:p14="http://schemas.microsoft.com/office/powerpoint/2010/main" val="718862643"/>
+      </p:ext>
+    </p:extLst>
+  </p:cSld>
+  <p:clrMapOvr>
+    <a:masterClrMapping/>
+  </p:clrMapOvr>
+  <p:timing>
+    <p:tnLst>
+      <p:par>
+        <p:cTn id="1" dur="indefinite" restart="never" nodeType="tmRoot"/>
+      </p:par>
+    </p:tnLst>
+  </p:timing>
+</p:sld>
+</file>
+
+<file path=ppt/slides/slide3.xml><?xml version="1.0" encoding="utf-8"?>
+<p:sld xmlns:a="http://schemas.openxmlformats.org/drawingml/2006/main" xmlns:r="http://schemas.openxmlformats.org/officeDocument/2006/relationships" xmlns:p="http://schemas.openxmlformats.org/presentationml/2006/main">
+  <p:cSld>
+    <p:spTree>
+      <p:nvGrpSpPr>
+        <p:cNvPr id="1" name=""/>
+        <p:cNvGrpSpPr/>
+        <p:nvPr/>
+      </p:nvGrpSpPr>
+      <p:grpSpPr>
+        <a:xfrm>
+          <a:off x="0" y="0"/>
+          <a:ext cx="0" cy="0"/>
+          <a:chOff x="0" y="0"/>
+          <a:chExt cx="0" cy="0"/>
+        </a:xfrm>
+      </p:grpSpPr>
       <p:cxnSp>
         <p:nvCxnSpPr>
           <p:cNvPr id="74" name="Gerader Verbinder 73"/>
@@ -14927,7 +15649,7 @@
 </p:sld>
 </file>
 
-<file path=ppt/slides/slide3.xml><?xml version="1.0" encoding="utf-8"?>
+<file path=ppt/slides/slide4.xml><?xml version="1.0" encoding="utf-8"?>
 <p:sld xmlns:a="http://schemas.openxmlformats.org/drawingml/2006/main" xmlns:r="http://schemas.openxmlformats.org/officeDocument/2006/relationships" xmlns:p="http://schemas.openxmlformats.org/presentationml/2006/main">
   <p:cSld>
     <p:spTree>

--- a/data/topology/Topology_Grafik.pptx
+++ b/data/topology/Topology_Grafik.pptx
@@ -6,16 +6,17 @@
     <p:sldMasterId id="2147483793" r:id="rId2"/>
   </p:sldMasterIdLst>
   <p:notesMasterIdLst>
-    <p:notesMasterId r:id="rId7"/>
+    <p:notesMasterId r:id="rId8"/>
   </p:notesMasterIdLst>
   <p:handoutMasterIdLst>
-    <p:handoutMasterId r:id="rId8"/>
+    <p:handoutMasterId r:id="rId9"/>
   </p:handoutMasterIdLst>
   <p:sldIdLst>
     <p:sldId id="300" r:id="rId3"/>
     <p:sldId id="305" r:id="rId4"/>
-    <p:sldId id="304" r:id="rId5"/>
-    <p:sldId id="302" r:id="rId6"/>
+    <p:sldId id="306" r:id="rId5"/>
+    <p:sldId id="304" r:id="rId6"/>
+    <p:sldId id="302" r:id="rId7"/>
   </p:sldIdLst>
   <p:sldSz cx="12192000" cy="6858000"/>
   <p:notesSz cx="6797675" cy="9856788"/>
@@ -151,6 +152,7 @@
           <p14:sldIdLst>
             <p14:sldId id="300"/>
             <p14:sldId id="305"/>
+            <p14:sldId id="306"/>
             <p14:sldId id="304"/>
           </p14:sldIdLst>
         </p14:section>
@@ -351,7 +353,7 @@
               <a:pPr>
                 <a:defRPr/>
               </a:pPr>
-              <a:t>05.10.2021</a:t>
+              <a:t>27.12.2021</a:t>
             </a:fld>
             <a:endParaRPr lang="de-DE" sz="1000" dirty="0">
               <a:latin typeface="Arial" pitchFamily="34" charset="0"/>
@@ -580,7 +582,7 @@
               <a:pPr>
                 <a:defRPr/>
               </a:pPr>
-              <a:t>05.10.2021</a:t>
+              <a:t>27.12.2021</a:t>
             </a:fld>
             <a:endParaRPr lang="de-DE" dirty="0"/>
           </a:p>
@@ -13189,6 +13191,681 @@
       </p:grpSpPr>
       <p:cxnSp>
         <p:nvCxnSpPr>
+          <p:cNvPr id="29" name="Gerader Verbinder 28"/>
+          <p:cNvCxnSpPr/>
+          <p:nvPr/>
+        </p:nvCxnSpPr>
+        <p:spPr>
+          <a:xfrm>
+            <a:off x="4024313" y="3505918"/>
+            <a:ext cx="4164395" cy="0"/>
+          </a:xfrm>
+          <a:prstGeom prst="line">
+            <a:avLst/>
+          </a:prstGeom>
+          <a:ln w="76200">
+            <a:solidFill>
+              <a:srgbClr val="C00000"/>
+            </a:solidFill>
+          </a:ln>
+        </p:spPr>
+        <p:style>
+          <a:lnRef idx="1">
+            <a:schemeClr val="accent1"/>
+          </a:lnRef>
+          <a:fillRef idx="0">
+            <a:schemeClr val="accent1"/>
+          </a:fillRef>
+          <a:effectRef idx="0">
+            <a:schemeClr val="accent1"/>
+          </a:effectRef>
+          <a:fontRef idx="minor">
+            <a:schemeClr val="tx1"/>
+          </a:fontRef>
+        </p:style>
+      </p:cxnSp>
+      <p:sp>
+        <p:nvSpPr>
+          <p:cNvPr id="2" name="Titel 1"/>
+          <p:cNvSpPr>
+            <a:spLocks noGrp="1"/>
+          </p:cNvSpPr>
+          <p:nvPr>
+            <p:ph type="title"/>
+          </p:nvPr>
+        </p:nvSpPr>
+        <p:spPr/>
+        <p:txBody>
+          <a:bodyPr/>
+          <a:lstStyle/>
+          <a:p>
+            <a:r>
+              <a:rPr lang="de-DE" dirty="0" err="1" smtClean="0"/>
+              <a:t>HeatExchanger</a:t>
+            </a:r>
+            <a:endParaRPr lang="de-DE" dirty="0"/>
+          </a:p>
+        </p:txBody>
+      </p:sp>
+      <p:sp>
+        <p:nvSpPr>
+          <p:cNvPr id="8" name="Textfeld 7"/>
+          <p:cNvSpPr txBox="1"/>
+          <p:nvPr/>
+        </p:nvSpPr>
+        <p:spPr>
+          <a:xfrm>
+            <a:off x="7845711" y="1575806"/>
+            <a:ext cx="685994" cy="128499"/>
+          </a:xfrm>
+          <a:prstGeom prst="rect">
+            <a:avLst/>
+          </a:prstGeom>
+          <a:noFill/>
+        </p:spPr>
+        <p:txBody>
+          <a:bodyPr wrap="none" lIns="0" tIns="0" rIns="0" bIns="0" rtlCol="0">
+            <a:spAutoFit/>
+          </a:bodyPr>
+          <a:lstStyle/>
+          <a:p>
+            <a:r>
+              <a:rPr lang="de-DE" sz="800" b="1" dirty="0"/>
+              <a:t>Wärmebedarf</a:t>
+            </a:r>
+          </a:p>
+        </p:txBody>
+      </p:sp>
+      <p:sp>
+        <p:nvSpPr>
+          <p:cNvPr id="53" name="Textfeld 52"/>
+          <p:cNvSpPr txBox="1"/>
+          <p:nvPr/>
+        </p:nvSpPr>
+        <p:spPr>
+          <a:xfrm>
+            <a:off x="2733463" y="1588280"/>
+            <a:ext cx="548227" cy="123111"/>
+          </a:xfrm>
+          <a:prstGeom prst="rect">
+            <a:avLst/>
+          </a:prstGeom>
+          <a:noFill/>
+        </p:spPr>
+        <p:txBody>
+          <a:bodyPr wrap="none" lIns="0" tIns="0" rIns="0" bIns="0" rtlCol="0">
+            <a:spAutoFit/>
+          </a:bodyPr>
+          <a:lstStyle/>
+          <a:p>
+            <a:pPr algn="r"/>
+            <a:r>
+              <a:rPr lang="de-DE" sz="800" b="1" dirty="0" smtClean="0"/>
+              <a:t>Wärmenetz</a:t>
+            </a:r>
+            <a:endParaRPr lang="de-DE" sz="800" b="1" dirty="0"/>
+          </a:p>
+        </p:txBody>
+      </p:sp>
+      <p:sp>
+        <p:nvSpPr>
+          <p:cNvPr id="62" name="Textfeld 61"/>
+          <p:cNvSpPr txBox="1"/>
+          <p:nvPr/>
+        </p:nvSpPr>
+        <p:spPr>
+          <a:xfrm>
+            <a:off x="6232973" y="2810655"/>
+            <a:ext cx="673261" cy="123111"/>
+          </a:xfrm>
+          <a:prstGeom prst="rect">
+            <a:avLst/>
+          </a:prstGeom>
+          <a:noFill/>
+        </p:spPr>
+        <p:txBody>
+          <a:bodyPr wrap="none" lIns="0" tIns="0" rIns="0" bIns="0" rtlCol="0">
+            <a:spAutoFit/>
+          </a:bodyPr>
+          <a:lstStyle/>
+          <a:p>
+            <a:r>
+              <a:rPr lang="de-DE" sz="800" b="1" dirty="0" err="1" smtClean="0"/>
+              <a:t>HomoStorage</a:t>
+            </a:r>
+            <a:endParaRPr lang="de-DE" sz="800" b="1" dirty="0"/>
+          </a:p>
+        </p:txBody>
+      </p:sp>
+      <p:cxnSp>
+        <p:nvCxnSpPr>
+          <p:cNvPr id="95" name="Gerader Verbinder 94"/>
+          <p:cNvCxnSpPr/>
+          <p:nvPr/>
+        </p:nvCxnSpPr>
+        <p:spPr>
+          <a:xfrm>
+            <a:off x="3067050" y="2184962"/>
+            <a:ext cx="4804410" cy="0"/>
+          </a:xfrm>
+          <a:prstGeom prst="line">
+            <a:avLst/>
+          </a:prstGeom>
+          <a:ln w="76200">
+            <a:solidFill>
+              <a:srgbClr val="C00000"/>
+            </a:solidFill>
+          </a:ln>
+        </p:spPr>
+        <p:style>
+          <a:lnRef idx="1">
+            <a:schemeClr val="accent1"/>
+          </a:lnRef>
+          <a:fillRef idx="0">
+            <a:schemeClr val="accent1"/>
+          </a:fillRef>
+          <a:effectRef idx="0">
+            <a:schemeClr val="accent1"/>
+          </a:effectRef>
+          <a:fontRef idx="minor">
+            <a:schemeClr val="tx1"/>
+          </a:fontRef>
+        </p:style>
+      </p:cxnSp>
+      <p:sp>
+        <p:nvSpPr>
+          <p:cNvPr id="97" name="Gleichschenkliges Dreieck 96"/>
+          <p:cNvSpPr/>
+          <p:nvPr/>
+        </p:nvSpPr>
+        <p:spPr>
+          <a:xfrm rot="16200000" flipV="1">
+            <a:off x="6570542" y="2144593"/>
+            <a:ext cx="243920" cy="80737"/>
+          </a:xfrm>
+          <a:prstGeom prst="triangle">
+            <a:avLst/>
+          </a:prstGeom>
+          <a:solidFill>
+            <a:srgbClr val="C00000"/>
+          </a:solidFill>
+          <a:ln>
+            <a:solidFill>
+              <a:schemeClr val="bg1"/>
+            </a:solidFill>
+          </a:ln>
+        </p:spPr>
+        <p:style>
+          <a:lnRef idx="2">
+            <a:schemeClr val="accent1">
+              <a:shade val="50000"/>
+            </a:schemeClr>
+          </a:lnRef>
+          <a:fillRef idx="1">
+            <a:schemeClr val="accent1"/>
+          </a:fillRef>
+          <a:effectRef idx="0">
+            <a:schemeClr val="accent1"/>
+          </a:effectRef>
+          <a:fontRef idx="minor">
+            <a:schemeClr val="lt1"/>
+          </a:fontRef>
+        </p:style>
+        <p:txBody>
+          <a:bodyPr rtlCol="0" anchor="ctr"/>
+          <a:lstStyle/>
+          <a:p>
+            <a:pPr algn="ctr"/>
+            <a:endParaRPr lang="de-DE"/>
+          </a:p>
+        </p:txBody>
+      </p:sp>
+      <p:sp>
+        <p:nvSpPr>
+          <p:cNvPr id="188" name="Gleichschenkliges Dreieck 187"/>
+          <p:cNvSpPr/>
+          <p:nvPr/>
+        </p:nvSpPr>
+        <p:spPr>
+          <a:xfrm rot="16200000" flipV="1">
+            <a:off x="5520935" y="3465549"/>
+            <a:ext cx="243920" cy="80737"/>
+          </a:xfrm>
+          <a:prstGeom prst="triangle">
+            <a:avLst/>
+          </a:prstGeom>
+          <a:solidFill>
+            <a:srgbClr val="C00000"/>
+          </a:solidFill>
+          <a:ln>
+            <a:solidFill>
+              <a:schemeClr val="bg1"/>
+            </a:solidFill>
+          </a:ln>
+        </p:spPr>
+        <p:style>
+          <a:lnRef idx="2">
+            <a:schemeClr val="accent1">
+              <a:shade val="50000"/>
+            </a:schemeClr>
+          </a:lnRef>
+          <a:fillRef idx="1">
+            <a:schemeClr val="accent1"/>
+          </a:fillRef>
+          <a:effectRef idx="0">
+            <a:schemeClr val="accent1"/>
+          </a:effectRef>
+          <a:fontRef idx="minor">
+            <a:schemeClr val="lt1"/>
+          </a:fontRef>
+        </p:style>
+        <p:txBody>
+          <a:bodyPr rtlCol="0" anchor="ctr"/>
+          <a:lstStyle/>
+          <a:p>
+            <a:pPr algn="ctr"/>
+            <a:endParaRPr lang="de-DE"/>
+          </a:p>
+        </p:txBody>
+      </p:sp>
+      <p:pic>
+        <p:nvPicPr>
+          <p:cNvPr id="22" name="Grafik 21"/>
+          <p:cNvPicPr>
+            <a:picLocks noChangeAspect="1"/>
+          </p:cNvPicPr>
+          <p:nvPr/>
+        </p:nvPicPr>
+        <p:blipFill>
+          <a:blip r:embed="rId2">
+            <a:extLst>
+              <a:ext uri="{28A0092B-C50C-407E-A947-70E740481C1C}">
+                <a14:useLocalDpi xmlns:a14="http://schemas.microsoft.com/office/drawing/2010/main" val="0"/>
+              </a:ext>
+            </a:extLst>
+          </a:blip>
+          <a:stretch>
+            <a:fillRect/>
+          </a:stretch>
+        </p:blipFill>
+        <p:spPr>
+          <a:xfrm>
+            <a:off x="2630856" y="1832156"/>
+            <a:ext cx="753442" cy="720000"/>
+          </a:xfrm>
+          <a:prstGeom prst="rect">
+            <a:avLst/>
+          </a:prstGeom>
+        </p:spPr>
+      </p:pic>
+      <p:pic>
+        <p:nvPicPr>
+          <p:cNvPr id="23" name="Grafik 22"/>
+          <p:cNvPicPr>
+            <a:picLocks noChangeAspect="1"/>
+          </p:cNvPicPr>
+          <p:nvPr/>
+        </p:nvPicPr>
+        <p:blipFill>
+          <a:blip r:embed="rId3">
+            <a:extLst>
+              <a:ext uri="{28A0092B-C50C-407E-A947-70E740481C1C}">
+                <a14:useLocalDpi xmlns:a14="http://schemas.microsoft.com/office/drawing/2010/main" val="0"/>
+              </a:ext>
+            </a:extLst>
+          </a:blip>
+          <a:stretch>
+            <a:fillRect/>
+          </a:stretch>
+        </p:blipFill>
+        <p:spPr>
+          <a:xfrm>
+            <a:off x="4533080" y="1832156"/>
+            <a:ext cx="753534" cy="720000"/>
+          </a:xfrm>
+          <a:prstGeom prst="rect">
+            <a:avLst/>
+          </a:prstGeom>
+        </p:spPr>
+      </p:pic>
+      <p:pic>
+        <p:nvPicPr>
+          <p:cNvPr id="24" name="Grafik 23"/>
+          <p:cNvPicPr>
+            <a:picLocks noChangeAspect="1"/>
+          </p:cNvPicPr>
+          <p:nvPr/>
+        </p:nvPicPr>
+        <p:blipFill>
+          <a:blip r:embed="rId4">
+            <a:extLst>
+              <a:ext uri="{28A0092B-C50C-407E-A947-70E740481C1C}">
+                <a14:useLocalDpi xmlns:a14="http://schemas.microsoft.com/office/drawing/2010/main" val="0"/>
+              </a:ext>
+            </a:extLst>
+          </a:blip>
+          <a:stretch>
+            <a:fillRect/>
+          </a:stretch>
+        </p:blipFill>
+        <p:spPr>
+          <a:xfrm>
+            <a:off x="7794228" y="3137419"/>
+            <a:ext cx="753534" cy="720000"/>
+          </a:xfrm>
+          <a:prstGeom prst="rect">
+            <a:avLst/>
+          </a:prstGeom>
+        </p:spPr>
+      </p:pic>
+      <p:pic>
+        <p:nvPicPr>
+          <p:cNvPr id="3" name="Grafik 2"/>
+          <p:cNvPicPr>
+            <a:picLocks noChangeAspect="1"/>
+          </p:cNvPicPr>
+          <p:nvPr/>
+        </p:nvPicPr>
+        <p:blipFill>
+          <a:blip r:embed="rId5">
+            <a:extLst>
+              <a:ext uri="{28A0092B-C50C-407E-A947-70E740481C1C}">
+                <a14:useLocalDpi xmlns:a14="http://schemas.microsoft.com/office/drawing/2010/main" val="0"/>
+              </a:ext>
+            </a:extLst>
+          </a:blip>
+          <a:stretch>
+            <a:fillRect/>
+          </a:stretch>
+        </p:blipFill>
+        <p:spPr>
+          <a:xfrm>
+            <a:off x="6193604" y="3137419"/>
+            <a:ext cx="752000" cy="720000"/>
+          </a:xfrm>
+          <a:prstGeom prst="rect">
+            <a:avLst/>
+          </a:prstGeom>
+        </p:spPr>
+      </p:pic>
+      <p:pic>
+        <p:nvPicPr>
+          <p:cNvPr id="4" name="Grafik 3"/>
+          <p:cNvPicPr>
+            <a:picLocks noChangeAspect="1"/>
+          </p:cNvPicPr>
+          <p:nvPr/>
+        </p:nvPicPr>
+        <p:blipFill>
+          <a:blip r:embed="rId6">
+            <a:extLst>
+              <a:ext uri="{28A0092B-C50C-407E-A947-70E740481C1C}">
+                <a14:useLocalDpi xmlns:a14="http://schemas.microsoft.com/office/drawing/2010/main" val="0"/>
+              </a:ext>
+            </a:extLst>
+          </a:blip>
+          <a:stretch>
+            <a:fillRect/>
+          </a:stretch>
+        </p:blipFill>
+        <p:spPr>
+          <a:xfrm>
+            <a:off x="7796287" y="1832156"/>
+            <a:ext cx="751475" cy="720000"/>
+          </a:xfrm>
+          <a:prstGeom prst="rect">
+            <a:avLst/>
+          </a:prstGeom>
+        </p:spPr>
+      </p:pic>
+      <p:pic>
+        <p:nvPicPr>
+          <p:cNvPr id="27" name="Grafik 26"/>
+          <p:cNvPicPr>
+            <a:picLocks noChangeAspect="1"/>
+          </p:cNvPicPr>
+          <p:nvPr/>
+        </p:nvPicPr>
+        <p:blipFill>
+          <a:blip r:embed="rId3">
+            <a:extLst>
+              <a:ext uri="{28A0092B-C50C-407E-A947-70E740481C1C}">
+                <a14:useLocalDpi xmlns:a14="http://schemas.microsoft.com/office/drawing/2010/main" val="0"/>
+              </a:ext>
+            </a:extLst>
+          </a:blip>
+          <a:stretch>
+            <a:fillRect/>
+          </a:stretch>
+        </p:blipFill>
+        <p:spPr>
+          <a:xfrm>
+            <a:off x="4533080" y="3137419"/>
+            <a:ext cx="753534" cy="720000"/>
+          </a:xfrm>
+          <a:prstGeom prst="rect">
+            <a:avLst/>
+          </a:prstGeom>
+        </p:spPr>
+      </p:pic>
+      <p:sp>
+        <p:nvSpPr>
+          <p:cNvPr id="30" name="Gleichschenkliges Dreieck 29"/>
+          <p:cNvSpPr/>
+          <p:nvPr/>
+        </p:nvSpPr>
+        <p:spPr>
+          <a:xfrm rot="16200000" flipV="1">
+            <a:off x="7333983" y="3465549"/>
+            <a:ext cx="243920" cy="80737"/>
+          </a:xfrm>
+          <a:prstGeom prst="triangle">
+            <a:avLst/>
+          </a:prstGeom>
+          <a:solidFill>
+            <a:srgbClr val="C00000"/>
+          </a:solidFill>
+          <a:ln>
+            <a:solidFill>
+              <a:schemeClr val="bg1"/>
+            </a:solidFill>
+          </a:ln>
+        </p:spPr>
+        <p:style>
+          <a:lnRef idx="2">
+            <a:schemeClr val="accent1">
+              <a:shade val="50000"/>
+            </a:schemeClr>
+          </a:lnRef>
+          <a:fillRef idx="1">
+            <a:schemeClr val="accent1"/>
+          </a:fillRef>
+          <a:effectRef idx="0">
+            <a:schemeClr val="accent1"/>
+          </a:effectRef>
+          <a:fontRef idx="minor">
+            <a:schemeClr val="lt1"/>
+          </a:fontRef>
+        </p:style>
+        <p:txBody>
+          <a:bodyPr rtlCol="0" anchor="ctr"/>
+          <a:lstStyle/>
+          <a:p>
+            <a:pPr algn="ctr"/>
+            <a:endParaRPr lang="de-DE"/>
+          </a:p>
+        </p:txBody>
+      </p:sp>
+      <p:cxnSp>
+        <p:nvCxnSpPr>
+          <p:cNvPr id="32" name="Gerader Verbinder 31"/>
+          <p:cNvCxnSpPr/>
+          <p:nvPr/>
+        </p:nvCxnSpPr>
+        <p:spPr>
+          <a:xfrm>
+            <a:off x="4025207" y="2184961"/>
+            <a:ext cx="0" cy="1359060"/>
+          </a:xfrm>
+          <a:prstGeom prst="line">
+            <a:avLst/>
+          </a:prstGeom>
+          <a:ln w="76200">
+            <a:solidFill>
+              <a:srgbClr val="C00000"/>
+            </a:solidFill>
+          </a:ln>
+        </p:spPr>
+        <p:style>
+          <a:lnRef idx="1">
+            <a:schemeClr val="accent1"/>
+          </a:lnRef>
+          <a:fillRef idx="0">
+            <a:schemeClr val="accent1"/>
+          </a:fillRef>
+          <a:effectRef idx="0">
+            <a:schemeClr val="accent1"/>
+          </a:effectRef>
+          <a:fontRef idx="minor">
+            <a:schemeClr val="tx1"/>
+          </a:fontRef>
+        </p:style>
+      </p:cxnSp>
+      <p:sp>
+        <p:nvSpPr>
+          <p:cNvPr id="35" name="Gleichschenkliges Dreieck 34"/>
+          <p:cNvSpPr/>
+          <p:nvPr/>
+        </p:nvSpPr>
+        <p:spPr>
+          <a:xfrm rot="16200000" flipV="1">
+            <a:off x="3519751" y="2144593"/>
+            <a:ext cx="243920" cy="80737"/>
+          </a:xfrm>
+          <a:prstGeom prst="triangle">
+            <a:avLst/>
+          </a:prstGeom>
+          <a:solidFill>
+            <a:srgbClr val="C00000"/>
+          </a:solidFill>
+          <a:ln>
+            <a:solidFill>
+              <a:schemeClr val="bg1"/>
+            </a:solidFill>
+          </a:ln>
+        </p:spPr>
+        <p:style>
+          <a:lnRef idx="2">
+            <a:schemeClr val="accent1">
+              <a:shade val="50000"/>
+            </a:schemeClr>
+          </a:lnRef>
+          <a:fillRef idx="1">
+            <a:schemeClr val="accent1"/>
+          </a:fillRef>
+          <a:effectRef idx="0">
+            <a:schemeClr val="accent1"/>
+          </a:effectRef>
+          <a:fontRef idx="minor">
+            <a:schemeClr val="lt1"/>
+          </a:fontRef>
+        </p:style>
+        <p:txBody>
+          <a:bodyPr rtlCol="0" anchor="ctr"/>
+          <a:lstStyle/>
+          <a:p>
+            <a:pPr algn="ctr"/>
+            <a:endParaRPr lang="de-DE"/>
+          </a:p>
+        </p:txBody>
+      </p:sp>
+      <p:sp>
+        <p:nvSpPr>
+          <p:cNvPr id="36" name="Gleichschenkliges Dreieck 35"/>
+          <p:cNvSpPr/>
+          <p:nvPr/>
+        </p:nvSpPr>
+        <p:spPr>
+          <a:xfrm flipV="1">
+            <a:off x="3902352" y="2824122"/>
+            <a:ext cx="243920" cy="80737"/>
+          </a:xfrm>
+          <a:prstGeom prst="triangle">
+            <a:avLst/>
+          </a:prstGeom>
+          <a:solidFill>
+            <a:srgbClr val="C00000"/>
+          </a:solidFill>
+          <a:ln>
+            <a:solidFill>
+              <a:schemeClr val="bg1"/>
+            </a:solidFill>
+          </a:ln>
+        </p:spPr>
+        <p:style>
+          <a:lnRef idx="2">
+            <a:schemeClr val="accent1">
+              <a:shade val="50000"/>
+            </a:schemeClr>
+          </a:lnRef>
+          <a:fillRef idx="1">
+            <a:schemeClr val="accent1"/>
+          </a:fillRef>
+          <a:effectRef idx="0">
+            <a:schemeClr val="accent1"/>
+          </a:effectRef>
+          <a:fontRef idx="minor">
+            <a:schemeClr val="lt1"/>
+          </a:fontRef>
+        </p:style>
+        <p:txBody>
+          <a:bodyPr rtlCol="0" anchor="ctr"/>
+          <a:lstStyle/>
+          <a:p>
+            <a:pPr algn="ctr"/>
+            <a:endParaRPr lang="de-DE"/>
+          </a:p>
+        </p:txBody>
+      </p:sp>
+    </p:spTree>
+    <p:extLst>
+      <p:ext uri="{BB962C8B-B14F-4D97-AF65-F5344CB8AC3E}">
+        <p14:creationId xmlns:p14="http://schemas.microsoft.com/office/powerpoint/2010/main" val="2641765894"/>
+      </p:ext>
+    </p:extLst>
+  </p:cSld>
+  <p:clrMapOvr>
+    <a:masterClrMapping/>
+  </p:clrMapOvr>
+  <p:timing>
+    <p:tnLst>
+      <p:par>
+        <p:cTn id="1" dur="indefinite" restart="never" nodeType="tmRoot"/>
+      </p:par>
+    </p:tnLst>
+  </p:timing>
+</p:sld>
+</file>
+
+<file path=ppt/slides/slide4.xml><?xml version="1.0" encoding="utf-8"?>
+<p:sld xmlns:a="http://schemas.openxmlformats.org/drawingml/2006/main" xmlns:r="http://schemas.openxmlformats.org/officeDocument/2006/relationships" xmlns:p="http://schemas.openxmlformats.org/presentationml/2006/main">
+  <p:cSld>
+    <p:spTree>
+      <p:nvGrpSpPr>
+        <p:cNvPr id="1" name=""/>
+        <p:cNvGrpSpPr/>
+        <p:nvPr/>
+      </p:nvGrpSpPr>
+      <p:grpSpPr>
+        <a:xfrm>
+          <a:off x="0" y="0"/>
+          <a:ext cx="0" cy="0"/>
+          <a:chOff x="0" y="0"/>
+          <a:chExt cx="0" cy="0"/>
+        </a:xfrm>
+      </p:grpSpPr>
+      <p:cxnSp>
+        <p:nvCxnSpPr>
           <p:cNvPr id="74" name="Gerader Verbinder 73"/>
           <p:cNvCxnSpPr/>
           <p:nvPr/>
@@ -15649,7 +16326,7 @@
 </p:sld>
 </file>
 
-<file path=ppt/slides/slide4.xml><?xml version="1.0" encoding="utf-8"?>
+<file path=ppt/slides/slide5.xml><?xml version="1.0" encoding="utf-8"?>
 <p:sld xmlns:a="http://schemas.openxmlformats.org/drawingml/2006/main" xmlns:r="http://schemas.openxmlformats.org/officeDocument/2006/relationships" xmlns:p="http://schemas.openxmlformats.org/presentationml/2006/main">
   <p:cSld>
     <p:spTree>
@@ -28887,6 +29564,186 @@
           </p:txBody>
         </p:sp>
       </p:grpSp>
+      <p:pic>
+        <p:nvPicPr>
+          <p:cNvPr id="3" name="Grafik 2"/>
+          <p:cNvPicPr>
+            <a:picLocks noChangeAspect="1"/>
+          </p:cNvPicPr>
+          <p:nvPr/>
+        </p:nvPicPr>
+        <p:blipFill>
+          <a:blip r:embed="rId26">
+            <a:extLst>
+              <a:ext uri="{28A0092B-C50C-407E-A947-70E740481C1C}">
+                <a14:useLocalDpi xmlns:a14="http://schemas.microsoft.com/office/drawing/2010/main" val="0"/>
+              </a:ext>
+            </a:extLst>
+          </a:blip>
+          <a:stretch>
+            <a:fillRect/>
+          </a:stretch>
+        </p:blipFill>
+        <p:spPr>
+          <a:xfrm>
+            <a:off x="2899753" y="3894221"/>
+            <a:ext cx="1202317" cy="1148951"/>
+          </a:xfrm>
+          <a:prstGeom prst="rect">
+            <a:avLst/>
+          </a:prstGeom>
+        </p:spPr>
+      </p:pic>
+      <p:pic>
+        <p:nvPicPr>
+          <p:cNvPr id="4" name="Grafik 3"/>
+          <p:cNvPicPr>
+            <a:picLocks noChangeAspect="1"/>
+          </p:cNvPicPr>
+          <p:nvPr/>
+        </p:nvPicPr>
+        <p:blipFill>
+          <a:blip r:embed="rId27">
+            <a:extLst>
+              <a:ext uri="{28A0092B-C50C-407E-A947-70E740481C1C}">
+                <a14:useLocalDpi xmlns:a14="http://schemas.microsoft.com/office/drawing/2010/main" val="0"/>
+              </a:ext>
+            </a:extLst>
+          </a:blip>
+          <a:stretch>
+            <a:fillRect/>
+          </a:stretch>
+        </p:blipFill>
+        <p:spPr>
+          <a:xfrm>
+            <a:off x="10400299" y="1689111"/>
+            <a:ext cx="1147199" cy="1099149"/>
+          </a:xfrm>
+          <a:prstGeom prst="rect">
+            <a:avLst/>
+          </a:prstGeom>
+        </p:spPr>
+      </p:pic>
+      <p:pic>
+        <p:nvPicPr>
+          <p:cNvPr id="5" name="Grafik 4"/>
+          <p:cNvPicPr>
+            <a:picLocks noChangeAspect="1"/>
+          </p:cNvPicPr>
+          <p:nvPr/>
+        </p:nvPicPr>
+        <p:blipFill>
+          <a:blip r:embed="rId28">
+            <a:extLst>
+              <a:ext uri="{28A0092B-C50C-407E-A947-70E740481C1C}">
+                <a14:useLocalDpi xmlns:a14="http://schemas.microsoft.com/office/drawing/2010/main" val="0"/>
+              </a:ext>
+            </a:extLst>
+          </a:blip>
+          <a:stretch>
+            <a:fillRect/>
+          </a:stretch>
+        </p:blipFill>
+        <p:spPr>
+          <a:xfrm>
+            <a:off x="278583" y="3897356"/>
+            <a:ext cx="1336122" cy="1276816"/>
+          </a:xfrm>
+          <a:prstGeom prst="rect">
+            <a:avLst/>
+          </a:prstGeom>
+        </p:spPr>
+      </p:pic>
+      <p:pic>
+        <p:nvPicPr>
+          <p:cNvPr id="6" name="Grafik 5"/>
+          <p:cNvPicPr>
+            <a:picLocks noChangeAspect="1"/>
+          </p:cNvPicPr>
+          <p:nvPr/>
+        </p:nvPicPr>
+        <p:blipFill>
+          <a:blip r:embed="rId29">
+            <a:extLst>
+              <a:ext uri="{28A0092B-C50C-407E-A947-70E740481C1C}">
+                <a14:useLocalDpi xmlns:a14="http://schemas.microsoft.com/office/drawing/2010/main" val="0"/>
+              </a:ext>
+            </a:extLst>
+          </a:blip>
+          <a:stretch>
+            <a:fillRect/>
+          </a:stretch>
+        </p:blipFill>
+        <p:spPr>
+          <a:xfrm>
+            <a:off x="246715" y="2193624"/>
+            <a:ext cx="1160610" cy="1108960"/>
+          </a:xfrm>
+          <a:prstGeom prst="rect">
+            <a:avLst/>
+          </a:prstGeom>
+        </p:spPr>
+      </p:pic>
+      <p:pic>
+        <p:nvPicPr>
+          <p:cNvPr id="7" name="Grafik 6"/>
+          <p:cNvPicPr>
+            <a:picLocks noChangeAspect="1"/>
+          </p:cNvPicPr>
+          <p:nvPr/>
+        </p:nvPicPr>
+        <p:blipFill>
+          <a:blip r:embed="rId30">
+            <a:extLst>
+              <a:ext uri="{28A0092B-C50C-407E-A947-70E740481C1C}">
+                <a14:useLocalDpi xmlns:a14="http://schemas.microsoft.com/office/drawing/2010/main" val="0"/>
+              </a:ext>
+            </a:extLst>
+          </a:blip>
+          <a:stretch>
+            <a:fillRect/>
+          </a:stretch>
+        </p:blipFill>
+        <p:spPr>
+          <a:xfrm>
+            <a:off x="1691278" y="808106"/>
+            <a:ext cx="1079373" cy="1031338"/>
+          </a:xfrm>
+          <a:prstGeom prst="rect">
+            <a:avLst/>
+          </a:prstGeom>
+        </p:spPr>
+      </p:pic>
+      <p:pic>
+        <p:nvPicPr>
+          <p:cNvPr id="8" name="Grafik 7"/>
+          <p:cNvPicPr>
+            <a:picLocks noChangeAspect="1"/>
+          </p:cNvPicPr>
+          <p:nvPr/>
+        </p:nvPicPr>
+        <p:blipFill>
+          <a:blip r:embed="rId31">
+            <a:extLst>
+              <a:ext uri="{28A0092B-C50C-407E-A947-70E740481C1C}">
+                <a14:useLocalDpi xmlns:a14="http://schemas.microsoft.com/office/drawing/2010/main" val="0"/>
+              </a:ext>
+            </a:extLst>
+          </a:blip>
+          <a:stretch>
+            <a:fillRect/>
+          </a:stretch>
+        </p:blipFill>
+        <p:spPr>
+          <a:xfrm>
+            <a:off x="438555" y="983855"/>
+            <a:ext cx="750874" cy="717545"/>
+          </a:xfrm>
+          <a:prstGeom prst="rect">
+            <a:avLst/>
+          </a:prstGeom>
+        </p:spPr>
+      </p:pic>
     </p:spTree>
     <p:extLst>
       <p:ext uri="{BB962C8B-B14F-4D97-AF65-F5344CB8AC3E}">

--- a/data/topology/Topology_Grafik.pptx
+++ b/data/topology/Topology_Grafik.pptx
@@ -6,18 +6,19 @@
     <p:sldMasterId id="2147483793" r:id="rId2"/>
   </p:sldMasterIdLst>
   <p:notesMasterIdLst>
-    <p:notesMasterId r:id="rId9"/>
+    <p:notesMasterId r:id="rId10"/>
   </p:notesMasterIdLst>
   <p:handoutMasterIdLst>
-    <p:handoutMasterId r:id="rId10"/>
+    <p:handoutMasterId r:id="rId11"/>
   </p:handoutMasterIdLst>
   <p:sldIdLst>
     <p:sldId id="300" r:id="rId3"/>
     <p:sldId id="307" r:id="rId4"/>
-    <p:sldId id="302" r:id="rId5"/>
-    <p:sldId id="305" r:id="rId6"/>
-    <p:sldId id="306" r:id="rId7"/>
-    <p:sldId id="304" r:id="rId8"/>
+    <p:sldId id="308" r:id="rId5"/>
+    <p:sldId id="302" r:id="rId6"/>
+    <p:sldId id="305" r:id="rId7"/>
+    <p:sldId id="306" r:id="rId8"/>
+    <p:sldId id="304" r:id="rId9"/>
   </p:sldIdLst>
   <p:sldSz cx="12192000" cy="6858000"/>
   <p:notesSz cx="6797675" cy="9856788"/>
@@ -153,6 +154,7 @@
           <p14:sldIdLst>
             <p14:sldId id="300"/>
             <p14:sldId id="307"/>
+            <p14:sldId id="308"/>
           </p14:sldIdLst>
         </p14:section>
         <p14:section name="Backup" id="{E61A2245-1740-4840-9A58-F2FDC1F12C81}">
@@ -355,7 +357,7 @@
               <a:pPr>
                 <a:defRPr/>
               </a:pPr>
-              <a:t>12.10.2022</a:t>
+              <a:t>09.10.23</a:t>
             </a:fld>
             <a:endParaRPr lang="de-DE" sz="1000" dirty="0">
               <a:latin typeface="Arial" pitchFamily="34" charset="0"/>
@@ -455,7 +457,7 @@
               <a:pPr>
                 <a:defRPr/>
               </a:pPr>
-              <a:t>‹Nr.›</a:t>
+              <a:t>‹#›</a:t>
             </a:fld>
             <a:endParaRPr lang="de-DE" sz="1000" dirty="0">
               <a:latin typeface="Arial" pitchFamily="34" charset="0"/>
@@ -584,7 +586,7 @@
               <a:pPr>
                 <a:defRPr/>
               </a:pPr>
-              <a:t>12.10.2022</a:t>
+              <a:t>09.10.23</a:t>
             </a:fld>
             <a:endParaRPr lang="de-DE" dirty="0"/>
           </a:p>
@@ -770,7 +772,7 @@
               <a:pPr>
                 <a:defRPr/>
               </a:pPr>
-              <a:t>‹Nr.›</a:t>
+              <a:t>‹#›</a:t>
             </a:fld>
             <a:endParaRPr lang="de-DE" dirty="0"/>
           </a:p>
@@ -1188,13 +1190,6 @@
   <p:clrMapOvr>
     <a:masterClrMapping/>
   </p:clrMapOvr>
-  <p:timing>
-    <p:tnLst>
-      <p:par>
-        <p:cTn id="1" dur="indefinite" restart="never" nodeType="tmRoot"/>
-      </p:par>
-    </p:tnLst>
-  </p:timing>
 </p:sldLayout>
 </file>
 
@@ -8283,7 +8278,7 @@
             <a:fld id="{06E39717-DBBA-4F45-8CD2-B914BAB34579}" type="slidenum">
               <a:rPr lang="de-DE" smtClean="0"/>
               <a:pPr/>
-              <a:t>‹Nr.›</a:t>
+              <a:t>‹#›</a:t>
             </a:fld>
             <a:endParaRPr lang="de-DE"/>
           </a:p>
@@ -8605,13 +8600,6 @@
   <p:clrMapOvr>
     <a:masterClrMapping/>
   </p:clrMapOvr>
-  <p:timing>
-    <p:tnLst>
-      <p:par>
-        <p:cTn id="1" dur="indefinite" restart="never" nodeType="tmRoot"/>
-      </p:par>
-    </p:tnLst>
-  </p:timing>
 </p:sldLayout>
 </file>
 
@@ -9024,7 +9012,7 @@
               <a:defRPr/>
             </a:pPr>
             <a:r>
-              <a:rPr lang="de-DE" sz="900" dirty="0" smtClean="0">
+              <a:rPr lang="de-DE" sz="900" dirty="0">
                 <a:solidFill>
                   <a:srgbClr val="9D9EA0"/>
                 </a:solidFill>
@@ -9032,7 +9020,7 @@
               <a:t>Allgemeine Methodik </a:t>
             </a:r>
             <a:r>
-              <a:rPr lang="de-DE" sz="900" baseline="0" dirty="0" smtClean="0">
+              <a:rPr lang="de-DE" sz="900" baseline="0" dirty="0">
                 <a:solidFill>
                   <a:srgbClr val="9D9EA0"/>
                 </a:solidFill>
@@ -9040,7 +9028,7 @@
               <a:t>| Yi Nie | </a:t>
             </a:r>
             <a:r>
-              <a:rPr lang="de-DE" sz="900" dirty="0" smtClean="0">
+              <a:rPr lang="de-DE" sz="900" dirty="0">
                 <a:solidFill>
                   <a:srgbClr val="9D9EA0"/>
                 </a:solidFill>
@@ -9114,7 +9102,7 @@
                   <a:srgbClr val="9D9EA0"/>
                 </a:solidFill>
               </a:rPr>
-              <a:t>‹Nr.›</a:t>
+              <a:t>‹#›</a:t>
             </a:fld>
             <a:endParaRPr lang="de-DE" sz="900" dirty="0">
               <a:solidFill>
@@ -9137,13 +9125,6 @@
     <p:sldLayoutId id="2147483799" r:id="rId7"/>
     <p:sldLayoutId id="2147483800" r:id="rId8"/>
   </p:sldLayoutIdLst>
-  <p:timing>
-    <p:tnLst>
-      <p:par>
-        <p:cTn id="1" dur="indefinite" restart="never" nodeType="tmRoot"/>
-      </p:par>
-    </p:tnLst>
-  </p:timing>
   <p:hf hdr="0" ftr="0" dt="0"/>
   <p:txStyles>
     <p:titleStyle>
@@ -9618,7 +9599,7 @@
       </a:lvl9pPr>
     </p:otherStyle>
   </p:txStyles>
-  <p:extLst mod="1">
+  <p:extLst>
     <p:ext uri="{27BBF7A9-308A-43DC-89C8-2F10F3537804}">
       <p15:sldGuideLst xmlns:p15="http://schemas.microsoft.com/office/powerpoint/2012/main">
         <p15:guide id="1" orient="horz" pos="1457" userDrawn="1">
@@ -10593,22 +10574,21 @@
           <a:lstStyle/>
           <a:p>
             <a:r>
-              <a:rPr lang="de-DE" dirty="0" err="1" smtClean="0"/>
+              <a:rPr lang="de-DE" dirty="0" err="1"/>
               <a:t>Basic_building</a:t>
             </a:r>
             <a:r>
-              <a:rPr lang="de-DE" dirty="0" smtClean="0"/>
+              <a:rPr lang="de-DE" dirty="0"/>
               <a:t> (</a:t>
             </a:r>
             <a:r>
-              <a:rPr lang="de-DE" dirty="0" err="1" smtClean="0"/>
+              <a:rPr lang="de-DE" dirty="0" err="1"/>
               <a:t>example</a:t>
             </a:r>
             <a:r>
-              <a:rPr lang="de-DE" dirty="0" smtClean="0"/>
+              <a:rPr lang="de-DE" dirty="0"/>
               <a:t> 1)</a:t>
             </a:r>
-            <a:endParaRPr lang="de-DE" dirty="0"/>
           </a:p>
         </p:txBody>
       </p:sp>
@@ -12456,13 +12436,6 @@
   <p:clrMapOvr>
     <a:masterClrMapping/>
   </p:clrMapOvr>
-  <p:timing>
-    <p:tnLst>
-      <p:par>
-        <p:cTn id="1" dur="indefinite" restart="never" nodeType="tmRoot"/>
-      </p:par>
-    </p:tnLst>
-  </p:timing>
 </p:sld>
 </file>
 
@@ -12639,22 +12612,21 @@
           <a:lstStyle/>
           <a:p>
             <a:r>
-              <a:rPr lang="de-DE" dirty="0" err="1" smtClean="0"/>
+              <a:rPr lang="de-DE" dirty="0" err="1"/>
               <a:t>Basic_building</a:t>
             </a:r>
             <a:r>
-              <a:rPr lang="de-DE" dirty="0" smtClean="0"/>
+              <a:rPr lang="de-DE" dirty="0"/>
               <a:t> (</a:t>
             </a:r>
             <a:r>
-              <a:rPr lang="de-DE" dirty="0" err="1" smtClean="0"/>
+              <a:rPr lang="de-DE" dirty="0" err="1"/>
               <a:t>example</a:t>
             </a:r>
             <a:r>
-              <a:rPr lang="de-DE" dirty="0" smtClean="0"/>
+              <a:rPr lang="de-DE" dirty="0"/>
               <a:t> 1)</a:t>
             </a:r>
-            <a:endParaRPr lang="de-DE" dirty="0"/>
           </a:p>
         </p:txBody>
       </p:sp>
@@ -14118,7 +14090,7 @@
         </p:blipFill>
         <p:spPr>
           <a:xfrm>
-            <a:off x="3784112" y="3625317"/>
+            <a:off x="3786281" y="3625317"/>
             <a:ext cx="532730" cy="511027"/>
           </a:xfrm>
           <a:prstGeom prst="rect">
@@ -14502,17 +14474,2198 @@
   <p:clrMapOvr>
     <a:masterClrMapping/>
   </p:clrMapOvr>
-  <p:timing>
-    <p:tnLst>
-      <p:par>
-        <p:cTn id="1" dur="indefinite" restart="never" nodeType="tmRoot"/>
-      </p:par>
-    </p:tnLst>
-  </p:timing>
 </p:sld>
 </file>
 
 <file path=ppt/slides/slide3.xml><?xml version="1.0" encoding="utf-8"?>
+<p:sld xmlns:a="http://schemas.openxmlformats.org/drawingml/2006/main" xmlns:r="http://schemas.openxmlformats.org/officeDocument/2006/relationships" xmlns:p="http://schemas.openxmlformats.org/presentationml/2006/main">
+  <p:cSld>
+    <p:spTree>
+      <p:nvGrpSpPr>
+        <p:cNvPr id="1" name=""/>
+        <p:cNvGrpSpPr/>
+        <p:nvPr/>
+      </p:nvGrpSpPr>
+      <p:grpSpPr>
+        <a:xfrm>
+          <a:off x="0" y="0"/>
+          <a:ext cx="0" cy="0"/>
+          <a:chOff x="0" y="0"/>
+          <a:chExt cx="0" cy="0"/>
+        </a:xfrm>
+      </p:grpSpPr>
+      <p:cxnSp>
+        <p:nvCxnSpPr>
+          <p:cNvPr id="70" name="Gerader Verbinder 33">
+            <a:extLst>
+              <a:ext uri="{FF2B5EF4-FFF2-40B4-BE49-F238E27FC236}">
+                <a16:creationId xmlns:a16="http://schemas.microsoft.com/office/drawing/2014/main" id="{65009CA6-0F83-734A-8941-A95F35629017}"/>
+              </a:ext>
+            </a:extLst>
+          </p:cNvPr>
+          <p:cNvCxnSpPr/>
+          <p:nvPr/>
+        </p:nvCxnSpPr>
+        <p:spPr>
+          <a:xfrm flipV="1">
+            <a:off x="5599406" y="1402719"/>
+            <a:ext cx="0" cy="768504"/>
+          </a:xfrm>
+          <a:prstGeom prst="line">
+            <a:avLst/>
+          </a:prstGeom>
+          <a:ln w="76200">
+            <a:solidFill>
+              <a:srgbClr val="C00000"/>
+            </a:solidFill>
+          </a:ln>
+        </p:spPr>
+        <p:style>
+          <a:lnRef idx="1">
+            <a:schemeClr val="accent1"/>
+          </a:lnRef>
+          <a:fillRef idx="0">
+            <a:schemeClr val="accent1"/>
+          </a:fillRef>
+          <a:effectRef idx="0">
+            <a:schemeClr val="accent1"/>
+          </a:effectRef>
+          <a:fontRef idx="minor">
+            <a:schemeClr val="tx1"/>
+          </a:fontRef>
+        </p:style>
+      </p:cxnSp>
+      <p:sp>
+        <p:nvSpPr>
+          <p:cNvPr id="2" name="标题 1">
+            <a:extLst>
+              <a:ext uri="{FF2B5EF4-FFF2-40B4-BE49-F238E27FC236}">
+                <a16:creationId xmlns:a16="http://schemas.microsoft.com/office/drawing/2014/main" id="{BAB1EFD5-1E58-00C1-9796-0D751630878D}"/>
+              </a:ext>
+            </a:extLst>
+          </p:cNvPr>
+          <p:cNvSpPr>
+            <a:spLocks noGrp="1"/>
+          </p:cNvSpPr>
+          <p:nvPr>
+            <p:ph type="title"/>
+          </p:nvPr>
+        </p:nvSpPr>
+        <p:spPr/>
+        <p:txBody>
+          <a:bodyPr/>
+          <a:lstStyle/>
+          <a:p>
+            <a:r>
+              <a:rPr kumimoji="1" lang="de-DE" altLang="zh-CN" dirty="0"/>
+              <a:t>Basic_building_no_boi</a:t>
+            </a:r>
+            <a:endParaRPr kumimoji="1" lang="zh-CN" altLang="en-US" dirty="0"/>
+          </a:p>
+        </p:txBody>
+      </p:sp>
+      <p:cxnSp>
+        <p:nvCxnSpPr>
+          <p:cNvPr id="4" name="Gerader Verbinder 176">
+            <a:extLst>
+              <a:ext uri="{FF2B5EF4-FFF2-40B4-BE49-F238E27FC236}">
+                <a16:creationId xmlns:a16="http://schemas.microsoft.com/office/drawing/2014/main" id="{27BF0AF8-C41B-52AE-72C7-7024E3BE2D9D}"/>
+              </a:ext>
+            </a:extLst>
+          </p:cNvPr>
+          <p:cNvCxnSpPr>
+            <a:cxnSpLocks/>
+          </p:cNvCxnSpPr>
+          <p:nvPr/>
+        </p:nvCxnSpPr>
+        <p:spPr>
+          <a:xfrm flipV="1">
+            <a:off x="4850106" y="2157484"/>
+            <a:ext cx="0" cy="1765379"/>
+          </a:xfrm>
+          <a:prstGeom prst="line">
+            <a:avLst/>
+          </a:prstGeom>
+          <a:ln w="76200">
+            <a:solidFill>
+              <a:srgbClr val="C00000"/>
+            </a:solidFill>
+          </a:ln>
+        </p:spPr>
+        <p:style>
+          <a:lnRef idx="1">
+            <a:schemeClr val="accent1"/>
+          </a:lnRef>
+          <a:fillRef idx="0">
+            <a:schemeClr val="accent1"/>
+          </a:fillRef>
+          <a:effectRef idx="0">
+            <a:schemeClr val="accent1"/>
+          </a:effectRef>
+          <a:fontRef idx="minor">
+            <a:schemeClr val="tx1"/>
+          </a:fontRef>
+        </p:style>
+      </p:cxnSp>
+      <p:cxnSp>
+        <p:nvCxnSpPr>
+          <p:cNvPr id="5" name="Gerader Verbinder 179">
+            <a:extLst>
+              <a:ext uri="{FF2B5EF4-FFF2-40B4-BE49-F238E27FC236}">
+                <a16:creationId xmlns:a16="http://schemas.microsoft.com/office/drawing/2014/main" id="{8B3232C9-425F-E7D6-9D49-6B371D160A72}"/>
+              </a:ext>
+            </a:extLst>
+          </p:cNvPr>
+          <p:cNvCxnSpPr/>
+          <p:nvPr/>
+        </p:nvCxnSpPr>
+        <p:spPr>
+          <a:xfrm>
+            <a:off x="3977085" y="3031633"/>
+            <a:ext cx="873021" cy="0"/>
+          </a:xfrm>
+          <a:prstGeom prst="line">
+            <a:avLst/>
+          </a:prstGeom>
+          <a:ln w="76200">
+            <a:solidFill>
+              <a:srgbClr val="C00000"/>
+            </a:solidFill>
+          </a:ln>
+        </p:spPr>
+        <p:style>
+          <a:lnRef idx="1">
+            <a:schemeClr val="accent1"/>
+          </a:lnRef>
+          <a:fillRef idx="0">
+            <a:schemeClr val="accent1"/>
+          </a:fillRef>
+          <a:effectRef idx="0">
+            <a:schemeClr val="accent1"/>
+          </a:effectRef>
+          <a:fontRef idx="minor">
+            <a:schemeClr val="tx1"/>
+          </a:fontRef>
+        </p:style>
+      </p:cxnSp>
+      <p:cxnSp>
+        <p:nvCxnSpPr>
+          <p:cNvPr id="6" name="Gerader Verbinder 182">
+            <a:extLst>
+              <a:ext uri="{FF2B5EF4-FFF2-40B4-BE49-F238E27FC236}">
+                <a16:creationId xmlns:a16="http://schemas.microsoft.com/office/drawing/2014/main" id="{46103C80-109E-6629-A332-468725991A60}"/>
+              </a:ext>
+            </a:extLst>
+          </p:cNvPr>
+          <p:cNvCxnSpPr/>
+          <p:nvPr/>
+        </p:nvCxnSpPr>
+        <p:spPr>
+          <a:xfrm>
+            <a:off x="4050477" y="3887323"/>
+            <a:ext cx="799629" cy="0"/>
+          </a:xfrm>
+          <a:prstGeom prst="line">
+            <a:avLst/>
+          </a:prstGeom>
+          <a:ln w="76200">
+            <a:solidFill>
+              <a:srgbClr val="C00000"/>
+            </a:solidFill>
+          </a:ln>
+        </p:spPr>
+        <p:style>
+          <a:lnRef idx="1">
+            <a:schemeClr val="accent1"/>
+          </a:lnRef>
+          <a:fillRef idx="0">
+            <a:schemeClr val="accent1"/>
+          </a:fillRef>
+          <a:effectRef idx="0">
+            <a:schemeClr val="accent1"/>
+          </a:effectRef>
+          <a:fontRef idx="minor">
+            <a:schemeClr val="tx1"/>
+          </a:fontRef>
+        </p:style>
+      </p:cxnSp>
+      <p:cxnSp>
+        <p:nvCxnSpPr>
+          <p:cNvPr id="7" name="Gerader Verbinder 168">
+            <a:extLst>
+              <a:ext uri="{FF2B5EF4-FFF2-40B4-BE49-F238E27FC236}">
+                <a16:creationId xmlns:a16="http://schemas.microsoft.com/office/drawing/2014/main" id="{02207495-BC15-3D26-028B-F03811233863}"/>
+              </a:ext>
+            </a:extLst>
+          </p:cNvPr>
+          <p:cNvCxnSpPr/>
+          <p:nvPr/>
+        </p:nvCxnSpPr>
+        <p:spPr>
+          <a:xfrm>
+            <a:off x="3278921" y="3887323"/>
+            <a:ext cx="864830" cy="0"/>
+          </a:xfrm>
+          <a:prstGeom prst="line">
+            <a:avLst/>
+          </a:prstGeom>
+          <a:ln w="76200">
+            <a:solidFill>
+              <a:srgbClr val="168213"/>
+            </a:solidFill>
+          </a:ln>
+        </p:spPr>
+        <p:style>
+          <a:lnRef idx="1">
+            <a:schemeClr val="accent1"/>
+          </a:lnRef>
+          <a:fillRef idx="0">
+            <a:schemeClr val="accent1"/>
+          </a:fillRef>
+          <a:effectRef idx="0">
+            <a:schemeClr val="accent1"/>
+          </a:effectRef>
+          <a:fontRef idx="minor">
+            <a:schemeClr val="tx1"/>
+          </a:fontRef>
+        </p:style>
+      </p:cxnSp>
+      <p:sp>
+        <p:nvSpPr>
+          <p:cNvPr id="9" name="Textfeld 7">
+            <a:extLst>
+              <a:ext uri="{FF2B5EF4-FFF2-40B4-BE49-F238E27FC236}">
+                <a16:creationId xmlns:a16="http://schemas.microsoft.com/office/drawing/2014/main" id="{2B320CD0-A393-D3CA-DD55-A9C421567399}"/>
+              </a:ext>
+            </a:extLst>
+          </p:cNvPr>
+          <p:cNvSpPr txBox="1"/>
+          <p:nvPr/>
+        </p:nvSpPr>
+        <p:spPr>
+          <a:xfrm>
+            <a:off x="8286948" y="2093235"/>
+            <a:ext cx="685994" cy="128499"/>
+          </a:xfrm>
+          <a:prstGeom prst="rect">
+            <a:avLst/>
+          </a:prstGeom>
+          <a:noFill/>
+        </p:spPr>
+        <p:txBody>
+          <a:bodyPr wrap="none" lIns="0" tIns="0" rIns="0" bIns="0" rtlCol="0">
+            <a:spAutoFit/>
+          </a:bodyPr>
+          <a:lstStyle/>
+          <a:p>
+            <a:r>
+              <a:rPr lang="de-DE" sz="800" b="1" dirty="0"/>
+              <a:t>Wärmebedarf</a:t>
+            </a:r>
+          </a:p>
+        </p:txBody>
+      </p:sp>
+      <p:sp>
+        <p:nvSpPr>
+          <p:cNvPr id="10" name="Textfeld 8">
+            <a:extLst>
+              <a:ext uri="{FF2B5EF4-FFF2-40B4-BE49-F238E27FC236}">
+                <a16:creationId xmlns:a16="http://schemas.microsoft.com/office/drawing/2014/main" id="{470ABE42-366D-78BA-ED8A-98BAB0214918}"/>
+              </a:ext>
+            </a:extLst>
+          </p:cNvPr>
+          <p:cNvSpPr txBox="1"/>
+          <p:nvPr/>
+        </p:nvSpPr>
+        <p:spPr>
+          <a:xfrm>
+            <a:off x="3756293" y="2536407"/>
+            <a:ext cx="696032" cy="128499"/>
+          </a:xfrm>
+          <a:prstGeom prst="rect">
+            <a:avLst/>
+          </a:prstGeom>
+          <a:noFill/>
+        </p:spPr>
+        <p:txBody>
+          <a:bodyPr wrap="none" lIns="0" tIns="0" rIns="0" bIns="0" rtlCol="0">
+            <a:spAutoFit/>
+          </a:bodyPr>
+          <a:lstStyle/>
+          <a:p>
+            <a:r>
+              <a:rPr lang="de-DE" sz="800" b="1" dirty="0"/>
+              <a:t>Elektrokessel</a:t>
+            </a:r>
+          </a:p>
+        </p:txBody>
+      </p:sp>
+      <p:cxnSp>
+        <p:nvCxnSpPr>
+          <p:cNvPr id="11" name="Gerader Verbinder 9">
+            <a:extLst>
+              <a:ext uri="{FF2B5EF4-FFF2-40B4-BE49-F238E27FC236}">
+                <a16:creationId xmlns:a16="http://schemas.microsoft.com/office/drawing/2014/main" id="{5FBA0FF0-15B4-F356-AC79-16D6D449E03D}"/>
+              </a:ext>
+            </a:extLst>
+          </p:cNvPr>
+          <p:cNvCxnSpPr/>
+          <p:nvPr/>
+        </p:nvCxnSpPr>
+        <p:spPr>
+          <a:xfrm>
+            <a:off x="3238553" y="3031633"/>
+            <a:ext cx="864830" cy="0"/>
+          </a:xfrm>
+          <a:prstGeom prst="line">
+            <a:avLst/>
+          </a:prstGeom>
+          <a:ln w="76200">
+            <a:solidFill>
+              <a:srgbClr val="168213"/>
+            </a:solidFill>
+          </a:ln>
+        </p:spPr>
+        <p:style>
+          <a:lnRef idx="1">
+            <a:schemeClr val="accent1"/>
+          </a:lnRef>
+          <a:fillRef idx="0">
+            <a:schemeClr val="accent1"/>
+          </a:fillRef>
+          <a:effectRef idx="0">
+            <a:schemeClr val="accent1"/>
+          </a:effectRef>
+          <a:fontRef idx="minor">
+            <a:schemeClr val="tx1"/>
+          </a:fontRef>
+        </p:style>
+      </p:cxnSp>
+      <p:cxnSp>
+        <p:nvCxnSpPr>
+          <p:cNvPr id="12" name="Gerader Verbinder 10">
+            <a:extLst>
+              <a:ext uri="{FF2B5EF4-FFF2-40B4-BE49-F238E27FC236}">
+                <a16:creationId xmlns:a16="http://schemas.microsoft.com/office/drawing/2014/main" id="{325B54B4-A614-2C7E-E9D8-DABA609C1E17}"/>
+              </a:ext>
+            </a:extLst>
+          </p:cNvPr>
+          <p:cNvCxnSpPr/>
+          <p:nvPr/>
+        </p:nvCxnSpPr>
+        <p:spPr>
+          <a:xfrm>
+            <a:off x="2507365" y="4758296"/>
+            <a:ext cx="5364095" cy="0"/>
+          </a:xfrm>
+          <a:prstGeom prst="line">
+            <a:avLst/>
+          </a:prstGeom>
+          <a:ln w="76200">
+            <a:solidFill>
+              <a:srgbClr val="168213"/>
+            </a:solidFill>
+          </a:ln>
+        </p:spPr>
+        <p:style>
+          <a:lnRef idx="1">
+            <a:schemeClr val="accent1"/>
+          </a:lnRef>
+          <a:fillRef idx="0">
+            <a:schemeClr val="accent1"/>
+          </a:fillRef>
+          <a:effectRef idx="0">
+            <a:schemeClr val="accent1"/>
+          </a:effectRef>
+          <a:fontRef idx="minor">
+            <a:schemeClr val="tx1"/>
+          </a:fontRef>
+        </p:style>
+      </p:cxnSp>
+      <p:cxnSp>
+        <p:nvCxnSpPr>
+          <p:cNvPr id="13" name="Gerader Verbinder 19">
+            <a:extLst>
+              <a:ext uri="{FF2B5EF4-FFF2-40B4-BE49-F238E27FC236}">
+                <a16:creationId xmlns:a16="http://schemas.microsoft.com/office/drawing/2014/main" id="{15EACD0D-BF73-B35F-896D-C848F6C912FC}"/>
+              </a:ext>
+            </a:extLst>
+          </p:cNvPr>
+          <p:cNvCxnSpPr/>
+          <p:nvPr/>
+        </p:nvCxnSpPr>
+        <p:spPr>
+          <a:xfrm flipV="1">
+            <a:off x="5599406" y="3937681"/>
+            <a:ext cx="0" cy="791084"/>
+          </a:xfrm>
+          <a:prstGeom prst="line">
+            <a:avLst/>
+          </a:prstGeom>
+          <a:ln w="76200">
+            <a:solidFill>
+              <a:srgbClr val="168213"/>
+            </a:solidFill>
+          </a:ln>
+        </p:spPr>
+        <p:style>
+          <a:lnRef idx="1">
+            <a:schemeClr val="accent1"/>
+          </a:lnRef>
+          <a:fillRef idx="0">
+            <a:schemeClr val="accent1"/>
+          </a:fillRef>
+          <a:effectRef idx="0">
+            <a:schemeClr val="accent1"/>
+          </a:effectRef>
+          <a:fontRef idx="minor">
+            <a:schemeClr val="tx1"/>
+          </a:fontRef>
+        </p:style>
+      </p:cxnSp>
+      <p:cxnSp>
+        <p:nvCxnSpPr>
+          <p:cNvPr id="14" name="Gerader Verbinder 20">
+            <a:extLst>
+              <a:ext uri="{FF2B5EF4-FFF2-40B4-BE49-F238E27FC236}">
+                <a16:creationId xmlns:a16="http://schemas.microsoft.com/office/drawing/2014/main" id="{6936A0D5-08E6-7886-F7B1-D453841DFC74}"/>
+              </a:ext>
+            </a:extLst>
+          </p:cNvPr>
+          <p:cNvCxnSpPr/>
+          <p:nvPr/>
+        </p:nvCxnSpPr>
+        <p:spPr>
+          <a:xfrm flipV="1">
+            <a:off x="6723022" y="3911222"/>
+            <a:ext cx="0" cy="880206"/>
+          </a:xfrm>
+          <a:prstGeom prst="line">
+            <a:avLst/>
+          </a:prstGeom>
+          <a:ln w="76200">
+            <a:solidFill>
+              <a:srgbClr val="168213"/>
+            </a:solidFill>
+          </a:ln>
+        </p:spPr>
+        <p:style>
+          <a:lnRef idx="1">
+            <a:schemeClr val="accent1"/>
+          </a:lnRef>
+          <a:fillRef idx="0">
+            <a:schemeClr val="accent1"/>
+          </a:fillRef>
+          <a:effectRef idx="0">
+            <a:schemeClr val="accent1"/>
+          </a:effectRef>
+          <a:fontRef idx="minor">
+            <a:schemeClr val="tx1"/>
+          </a:fontRef>
+        </p:style>
+      </p:cxnSp>
+      <p:cxnSp>
+        <p:nvCxnSpPr>
+          <p:cNvPr id="15" name="Gerader Verbinder 23">
+            <a:extLst>
+              <a:ext uri="{FF2B5EF4-FFF2-40B4-BE49-F238E27FC236}">
+                <a16:creationId xmlns:a16="http://schemas.microsoft.com/office/drawing/2014/main" id="{EF4D4CCC-5AF6-6BC5-5764-667B6F531691}"/>
+              </a:ext>
+            </a:extLst>
+          </p:cNvPr>
+          <p:cNvCxnSpPr/>
+          <p:nvPr/>
+        </p:nvCxnSpPr>
+        <p:spPr>
+          <a:xfrm flipV="1">
+            <a:off x="3278921" y="3031633"/>
+            <a:ext cx="0" cy="1759795"/>
+          </a:xfrm>
+          <a:prstGeom prst="line">
+            <a:avLst/>
+          </a:prstGeom>
+          <a:ln w="76200">
+            <a:solidFill>
+              <a:srgbClr val="168213"/>
+            </a:solidFill>
+          </a:ln>
+        </p:spPr>
+        <p:style>
+          <a:lnRef idx="1">
+            <a:schemeClr val="accent1"/>
+          </a:lnRef>
+          <a:fillRef idx="0">
+            <a:schemeClr val="accent1"/>
+          </a:fillRef>
+          <a:effectRef idx="0">
+            <a:schemeClr val="accent1"/>
+          </a:effectRef>
+          <a:fontRef idx="minor">
+            <a:schemeClr val="tx1"/>
+          </a:fontRef>
+        </p:style>
+      </p:cxnSp>
+      <p:cxnSp>
+        <p:nvCxnSpPr>
+          <p:cNvPr id="16" name="Gerader Verbinder 33">
+            <a:extLst>
+              <a:ext uri="{FF2B5EF4-FFF2-40B4-BE49-F238E27FC236}">
+                <a16:creationId xmlns:a16="http://schemas.microsoft.com/office/drawing/2014/main" id="{468B9FC0-492E-F8A2-D754-4B8A49AFC046}"/>
+              </a:ext>
+            </a:extLst>
+          </p:cNvPr>
+          <p:cNvCxnSpPr/>
+          <p:nvPr/>
+        </p:nvCxnSpPr>
+        <p:spPr>
+          <a:xfrm flipV="1">
+            <a:off x="5599406" y="2184962"/>
+            <a:ext cx="0" cy="768504"/>
+          </a:xfrm>
+          <a:prstGeom prst="line">
+            <a:avLst/>
+          </a:prstGeom>
+          <a:ln w="76200">
+            <a:solidFill>
+              <a:srgbClr val="C00000"/>
+            </a:solidFill>
+          </a:ln>
+        </p:spPr>
+        <p:style>
+          <a:lnRef idx="1">
+            <a:schemeClr val="accent1"/>
+          </a:lnRef>
+          <a:fillRef idx="0">
+            <a:schemeClr val="accent1"/>
+          </a:fillRef>
+          <a:effectRef idx="0">
+            <a:schemeClr val="accent1"/>
+          </a:effectRef>
+          <a:fontRef idx="minor">
+            <a:schemeClr val="tx1"/>
+          </a:fontRef>
+        </p:style>
+      </p:cxnSp>
+      <p:sp>
+        <p:nvSpPr>
+          <p:cNvPr id="17" name="Gleichschenkliges Dreieck 38">
+            <a:extLst>
+              <a:ext uri="{FF2B5EF4-FFF2-40B4-BE49-F238E27FC236}">
+                <a16:creationId xmlns:a16="http://schemas.microsoft.com/office/drawing/2014/main" id="{5A02C02D-6A1B-6AB5-6858-E124F715D867}"/>
+              </a:ext>
+            </a:extLst>
+          </p:cNvPr>
+          <p:cNvSpPr/>
+          <p:nvPr/>
+        </p:nvSpPr>
+        <p:spPr>
+          <a:xfrm>
+            <a:off x="3145453" y="3245515"/>
+            <a:ext cx="243920" cy="80737"/>
+          </a:xfrm>
+          <a:prstGeom prst="triangle">
+            <a:avLst/>
+          </a:prstGeom>
+          <a:solidFill>
+            <a:srgbClr val="168213"/>
+          </a:solidFill>
+          <a:ln>
+            <a:solidFill>
+              <a:schemeClr val="bg1"/>
+            </a:solidFill>
+          </a:ln>
+        </p:spPr>
+        <p:style>
+          <a:lnRef idx="2">
+            <a:schemeClr val="accent1">
+              <a:shade val="50000"/>
+            </a:schemeClr>
+          </a:lnRef>
+          <a:fillRef idx="1">
+            <a:schemeClr val="accent1"/>
+          </a:fillRef>
+          <a:effectRef idx="0">
+            <a:schemeClr val="accent1"/>
+          </a:effectRef>
+          <a:fontRef idx="minor">
+            <a:schemeClr val="lt1"/>
+          </a:fontRef>
+        </p:style>
+        <p:txBody>
+          <a:bodyPr rtlCol="0" anchor="ctr"/>
+          <a:lstStyle/>
+          <a:p>
+            <a:pPr algn="ctr"/>
+            <a:endParaRPr lang="de-DE"/>
+          </a:p>
+        </p:txBody>
+      </p:sp>
+      <p:sp>
+        <p:nvSpPr>
+          <p:cNvPr id="18" name="Gleichschenkliges Dreieck 39">
+            <a:extLst>
+              <a:ext uri="{FF2B5EF4-FFF2-40B4-BE49-F238E27FC236}">
+                <a16:creationId xmlns:a16="http://schemas.microsoft.com/office/drawing/2014/main" id="{817297A1-CD5F-08B3-511B-F8FA98F29EE1}"/>
+              </a:ext>
+            </a:extLst>
+          </p:cNvPr>
+          <p:cNvSpPr/>
+          <p:nvPr/>
+        </p:nvSpPr>
+        <p:spPr>
+          <a:xfrm flipV="1">
+            <a:off x="6607412" y="4452147"/>
+            <a:ext cx="243920" cy="80737"/>
+          </a:xfrm>
+          <a:prstGeom prst="triangle">
+            <a:avLst/>
+          </a:prstGeom>
+          <a:solidFill>
+            <a:srgbClr val="168213"/>
+          </a:solidFill>
+          <a:ln>
+            <a:solidFill>
+              <a:schemeClr val="bg1"/>
+            </a:solidFill>
+          </a:ln>
+        </p:spPr>
+        <p:style>
+          <a:lnRef idx="2">
+            <a:schemeClr val="accent1">
+              <a:shade val="50000"/>
+            </a:schemeClr>
+          </a:lnRef>
+          <a:fillRef idx="1">
+            <a:schemeClr val="accent1"/>
+          </a:fillRef>
+          <a:effectRef idx="0">
+            <a:schemeClr val="accent1"/>
+          </a:effectRef>
+          <a:fontRef idx="minor">
+            <a:schemeClr val="lt1"/>
+          </a:fontRef>
+        </p:style>
+        <p:txBody>
+          <a:bodyPr rtlCol="0" anchor="ctr"/>
+          <a:lstStyle/>
+          <a:p>
+            <a:pPr algn="ctr"/>
+            <a:endParaRPr lang="de-DE"/>
+          </a:p>
+        </p:txBody>
+      </p:sp>
+      <p:sp>
+        <p:nvSpPr>
+          <p:cNvPr id="19" name="Textfeld 40">
+            <a:extLst>
+              <a:ext uri="{FF2B5EF4-FFF2-40B4-BE49-F238E27FC236}">
+                <a16:creationId xmlns:a16="http://schemas.microsoft.com/office/drawing/2014/main" id="{D7E3C61E-ADFE-EBE7-47EB-8B6615AA10B0}"/>
+              </a:ext>
+            </a:extLst>
+          </p:cNvPr>
+          <p:cNvSpPr txBox="1"/>
+          <p:nvPr/>
+        </p:nvSpPr>
+        <p:spPr>
+          <a:xfrm>
+            <a:off x="7108527" y="3823073"/>
+            <a:ext cx="399884" cy="128499"/>
+          </a:xfrm>
+          <a:prstGeom prst="rect">
+            <a:avLst/>
+          </a:prstGeom>
+          <a:noFill/>
+        </p:spPr>
+        <p:txBody>
+          <a:bodyPr wrap="none" lIns="0" tIns="0" rIns="0" bIns="0" rtlCol="0">
+            <a:spAutoFit/>
+          </a:bodyPr>
+          <a:lstStyle/>
+          <a:p>
+            <a:r>
+              <a:rPr lang="de-DE" sz="800" b="1" dirty="0"/>
+              <a:t>Batterie</a:t>
+            </a:r>
+          </a:p>
+        </p:txBody>
+      </p:sp>
+      <p:sp>
+        <p:nvSpPr>
+          <p:cNvPr id="20" name="Textfeld 41">
+            <a:extLst>
+              <a:ext uri="{FF2B5EF4-FFF2-40B4-BE49-F238E27FC236}">
+                <a16:creationId xmlns:a16="http://schemas.microsoft.com/office/drawing/2014/main" id="{D54FC6DE-C46D-170C-C031-459B3F72D998}"/>
+              </a:ext>
+            </a:extLst>
+          </p:cNvPr>
+          <p:cNvSpPr txBox="1"/>
+          <p:nvPr/>
+        </p:nvSpPr>
+        <p:spPr>
+          <a:xfrm>
+            <a:off x="6024054" y="3842286"/>
+            <a:ext cx="143891" cy="128499"/>
+          </a:xfrm>
+          <a:prstGeom prst="rect">
+            <a:avLst/>
+          </a:prstGeom>
+          <a:noFill/>
+        </p:spPr>
+        <p:txBody>
+          <a:bodyPr wrap="none" lIns="0" tIns="0" rIns="0" bIns="0" rtlCol="0">
+            <a:spAutoFit/>
+          </a:bodyPr>
+          <a:lstStyle/>
+          <a:p>
+            <a:r>
+              <a:rPr lang="de-DE" sz="800" b="1" dirty="0"/>
+              <a:t>PV</a:t>
+            </a:r>
+          </a:p>
+        </p:txBody>
+      </p:sp>
+      <p:sp>
+        <p:nvSpPr>
+          <p:cNvPr id="22" name="Textfeld 48">
+            <a:extLst>
+              <a:ext uri="{FF2B5EF4-FFF2-40B4-BE49-F238E27FC236}">
+                <a16:creationId xmlns:a16="http://schemas.microsoft.com/office/drawing/2014/main" id="{C40992FB-EF47-A7FC-6899-84EDB5AD8DD7}"/>
+              </a:ext>
+            </a:extLst>
+          </p:cNvPr>
+          <p:cNvSpPr txBox="1"/>
+          <p:nvPr/>
+        </p:nvSpPr>
+        <p:spPr>
+          <a:xfrm>
+            <a:off x="3854836" y="4201294"/>
+            <a:ext cx="515332" cy="385495"/>
+          </a:xfrm>
+          <a:prstGeom prst="rect">
+            <a:avLst/>
+          </a:prstGeom>
+          <a:noFill/>
+        </p:spPr>
+        <p:txBody>
+          <a:bodyPr wrap="none" lIns="0" tIns="0" rIns="0" bIns="0" rtlCol="0">
+            <a:spAutoFit/>
+          </a:bodyPr>
+          <a:lstStyle/>
+          <a:p>
+            <a:r>
+              <a:rPr lang="de-DE" sz="800" b="1" dirty="0"/>
+              <a:t>Elektrisch</a:t>
+            </a:r>
+          </a:p>
+          <a:p>
+            <a:r>
+              <a:rPr lang="de-DE" sz="800" b="1" dirty="0"/>
+              <a:t>Wärme-</a:t>
+            </a:r>
+          </a:p>
+          <a:p>
+            <a:r>
+              <a:rPr lang="de-DE" sz="800" b="1" dirty="0"/>
+              <a:t>pump</a:t>
+            </a:r>
+          </a:p>
+        </p:txBody>
+      </p:sp>
+      <p:sp>
+        <p:nvSpPr>
+          <p:cNvPr id="23" name="Textfeld 50">
+            <a:extLst>
+              <a:ext uri="{FF2B5EF4-FFF2-40B4-BE49-F238E27FC236}">
+                <a16:creationId xmlns:a16="http://schemas.microsoft.com/office/drawing/2014/main" id="{BF31415E-D746-59B9-1094-6615D37293E6}"/>
+              </a:ext>
+            </a:extLst>
+          </p:cNvPr>
+          <p:cNvSpPr txBox="1"/>
+          <p:nvPr/>
+        </p:nvSpPr>
+        <p:spPr>
+          <a:xfrm>
+            <a:off x="5927252" y="2875520"/>
+            <a:ext cx="657551" cy="256996"/>
+          </a:xfrm>
+          <a:prstGeom prst="rect">
+            <a:avLst/>
+          </a:prstGeom>
+          <a:noFill/>
+        </p:spPr>
+        <p:txBody>
+          <a:bodyPr wrap="none" lIns="0" tIns="0" rIns="0" bIns="0" rtlCol="0">
+            <a:spAutoFit/>
+          </a:bodyPr>
+          <a:lstStyle/>
+          <a:p>
+            <a:r>
+              <a:rPr lang="de-DE" sz="800" b="1" dirty="0"/>
+              <a:t>Solarthermie</a:t>
+            </a:r>
+          </a:p>
+          <a:p>
+            <a:r>
+              <a:rPr lang="de-DE" sz="800" b="1" dirty="0"/>
+              <a:t>Kollektor</a:t>
+            </a:r>
+          </a:p>
+        </p:txBody>
+      </p:sp>
+      <p:sp>
+        <p:nvSpPr>
+          <p:cNvPr id="25" name="Textfeld 53">
+            <a:extLst>
+              <a:ext uri="{FF2B5EF4-FFF2-40B4-BE49-F238E27FC236}">
+                <a16:creationId xmlns:a16="http://schemas.microsoft.com/office/drawing/2014/main" id="{BC2F03D1-D4AC-5494-F7A7-DC225F0EAB03}"/>
+              </a:ext>
+            </a:extLst>
+          </p:cNvPr>
+          <p:cNvSpPr txBox="1"/>
+          <p:nvPr/>
+        </p:nvSpPr>
+        <p:spPr>
+          <a:xfrm>
+            <a:off x="2222052" y="4178810"/>
+            <a:ext cx="523698" cy="128499"/>
+          </a:xfrm>
+          <a:prstGeom prst="rect">
+            <a:avLst/>
+          </a:prstGeom>
+          <a:noFill/>
+        </p:spPr>
+        <p:txBody>
+          <a:bodyPr wrap="none" lIns="0" tIns="0" rIns="0" bIns="0" rtlCol="0">
+            <a:spAutoFit/>
+          </a:bodyPr>
+          <a:lstStyle/>
+          <a:p>
+            <a:pPr algn="r"/>
+            <a:r>
+              <a:rPr lang="de-DE" sz="800" b="1" dirty="0"/>
+              <a:t>Stromnetz</a:t>
+            </a:r>
+          </a:p>
+        </p:txBody>
+      </p:sp>
+      <p:sp>
+        <p:nvSpPr>
+          <p:cNvPr id="26" name="Textfeld 60">
+            <a:extLst>
+              <a:ext uri="{FF2B5EF4-FFF2-40B4-BE49-F238E27FC236}">
+                <a16:creationId xmlns:a16="http://schemas.microsoft.com/office/drawing/2014/main" id="{AB2DED6B-67C9-BD12-3EED-17D53E1B5949}"/>
+              </a:ext>
+            </a:extLst>
+          </p:cNvPr>
+          <p:cNvSpPr txBox="1"/>
+          <p:nvPr/>
+        </p:nvSpPr>
+        <p:spPr>
+          <a:xfrm>
+            <a:off x="8286948" y="4664515"/>
+            <a:ext cx="637473" cy="128499"/>
+          </a:xfrm>
+          <a:prstGeom prst="rect">
+            <a:avLst/>
+          </a:prstGeom>
+          <a:noFill/>
+        </p:spPr>
+        <p:txBody>
+          <a:bodyPr wrap="none" lIns="0" tIns="0" rIns="0" bIns="0" rtlCol="0">
+            <a:spAutoFit/>
+          </a:bodyPr>
+          <a:lstStyle/>
+          <a:p>
+            <a:r>
+              <a:rPr lang="de-DE" sz="800" b="1" dirty="0"/>
+              <a:t>Strombedarf</a:t>
+            </a:r>
+          </a:p>
+        </p:txBody>
+      </p:sp>
+      <p:sp>
+        <p:nvSpPr>
+          <p:cNvPr id="27" name="Textfeld 61">
+            <a:extLst>
+              <a:ext uri="{FF2B5EF4-FFF2-40B4-BE49-F238E27FC236}">
+                <a16:creationId xmlns:a16="http://schemas.microsoft.com/office/drawing/2014/main" id="{78271474-1A6B-22B5-E209-D9026B357FA3}"/>
+              </a:ext>
+            </a:extLst>
+          </p:cNvPr>
+          <p:cNvSpPr txBox="1"/>
+          <p:nvPr/>
+        </p:nvSpPr>
+        <p:spPr>
+          <a:xfrm>
+            <a:off x="6328651" y="1627911"/>
+            <a:ext cx="801442" cy="128499"/>
+          </a:xfrm>
+          <a:prstGeom prst="rect">
+            <a:avLst/>
+          </a:prstGeom>
+          <a:noFill/>
+        </p:spPr>
+        <p:txBody>
+          <a:bodyPr wrap="none" lIns="0" tIns="0" rIns="0" bIns="0" rtlCol="0">
+            <a:spAutoFit/>
+          </a:bodyPr>
+          <a:lstStyle/>
+          <a:p>
+            <a:r>
+              <a:rPr lang="de-DE" sz="800" b="1" dirty="0"/>
+              <a:t>Wärmespeicher</a:t>
+            </a:r>
+          </a:p>
+        </p:txBody>
+      </p:sp>
+      <p:sp>
+        <p:nvSpPr>
+          <p:cNvPr id="28" name="Gleichschenkliges Dreieck 62">
+            <a:extLst>
+              <a:ext uri="{FF2B5EF4-FFF2-40B4-BE49-F238E27FC236}">
+                <a16:creationId xmlns:a16="http://schemas.microsoft.com/office/drawing/2014/main" id="{22447565-DA9F-F689-52A8-144C354E3189}"/>
+              </a:ext>
+            </a:extLst>
+          </p:cNvPr>
+          <p:cNvSpPr/>
+          <p:nvPr/>
+        </p:nvSpPr>
+        <p:spPr>
+          <a:xfrm flipV="1">
+            <a:off x="5469430" y="4377727"/>
+            <a:ext cx="243920" cy="80737"/>
+          </a:xfrm>
+          <a:prstGeom prst="triangle">
+            <a:avLst/>
+          </a:prstGeom>
+          <a:solidFill>
+            <a:srgbClr val="168213"/>
+          </a:solidFill>
+          <a:ln>
+            <a:solidFill>
+              <a:schemeClr val="bg1"/>
+            </a:solidFill>
+          </a:ln>
+        </p:spPr>
+        <p:style>
+          <a:lnRef idx="2">
+            <a:schemeClr val="accent1">
+              <a:shade val="50000"/>
+            </a:schemeClr>
+          </a:lnRef>
+          <a:fillRef idx="1">
+            <a:schemeClr val="accent1"/>
+          </a:fillRef>
+          <a:effectRef idx="0">
+            <a:schemeClr val="accent1"/>
+          </a:effectRef>
+          <a:fontRef idx="minor">
+            <a:schemeClr val="lt1"/>
+          </a:fontRef>
+        </p:style>
+        <p:txBody>
+          <a:bodyPr rtlCol="0" anchor="ctr"/>
+          <a:lstStyle/>
+          <a:p>
+            <a:pPr algn="ctr"/>
+            <a:endParaRPr lang="de-DE"/>
+          </a:p>
+        </p:txBody>
+      </p:sp>
+      <p:sp>
+        <p:nvSpPr>
+          <p:cNvPr id="30" name="Gleichschenkliges Dreieck 77">
+            <a:extLst>
+              <a:ext uri="{FF2B5EF4-FFF2-40B4-BE49-F238E27FC236}">
+                <a16:creationId xmlns:a16="http://schemas.microsoft.com/office/drawing/2014/main" id="{A8C7AF59-D68C-65D0-E7B8-10F5DE9BCB5B}"/>
+              </a:ext>
+            </a:extLst>
+          </p:cNvPr>
+          <p:cNvSpPr/>
+          <p:nvPr/>
+        </p:nvSpPr>
+        <p:spPr>
+          <a:xfrm>
+            <a:off x="5486640" y="2496722"/>
+            <a:ext cx="243920" cy="80737"/>
+          </a:xfrm>
+          <a:prstGeom prst="triangle">
+            <a:avLst/>
+          </a:prstGeom>
+          <a:solidFill>
+            <a:srgbClr val="C00000"/>
+          </a:solidFill>
+          <a:ln>
+            <a:solidFill>
+              <a:schemeClr val="bg1"/>
+            </a:solidFill>
+          </a:ln>
+        </p:spPr>
+        <p:style>
+          <a:lnRef idx="2">
+            <a:schemeClr val="accent1">
+              <a:shade val="50000"/>
+            </a:schemeClr>
+          </a:lnRef>
+          <a:fillRef idx="1">
+            <a:schemeClr val="accent1"/>
+          </a:fillRef>
+          <a:effectRef idx="0">
+            <a:schemeClr val="accent1"/>
+          </a:effectRef>
+          <a:fontRef idx="minor">
+            <a:schemeClr val="lt1"/>
+          </a:fontRef>
+        </p:style>
+        <p:txBody>
+          <a:bodyPr rtlCol="0" anchor="ctr"/>
+          <a:lstStyle/>
+          <a:p>
+            <a:pPr algn="ctr"/>
+            <a:endParaRPr lang="de-DE"/>
+          </a:p>
+        </p:txBody>
+      </p:sp>
+      <p:sp>
+        <p:nvSpPr>
+          <p:cNvPr id="31" name="Gleichschenkliges Dreieck 78">
+            <a:extLst>
+              <a:ext uri="{FF2B5EF4-FFF2-40B4-BE49-F238E27FC236}">
+                <a16:creationId xmlns:a16="http://schemas.microsoft.com/office/drawing/2014/main" id="{B6AD43C5-A43E-76AE-ED76-58F30208C459}"/>
+              </a:ext>
+            </a:extLst>
+          </p:cNvPr>
+          <p:cNvSpPr/>
+          <p:nvPr/>
+        </p:nvSpPr>
+        <p:spPr>
+          <a:xfrm rot="10800000" flipV="1">
+            <a:off x="4728146" y="2624537"/>
+            <a:ext cx="243920" cy="80737"/>
+          </a:xfrm>
+          <a:prstGeom prst="triangle">
+            <a:avLst/>
+          </a:prstGeom>
+          <a:solidFill>
+            <a:srgbClr val="C00000"/>
+          </a:solidFill>
+          <a:ln>
+            <a:solidFill>
+              <a:schemeClr val="bg1"/>
+            </a:solidFill>
+          </a:ln>
+        </p:spPr>
+        <p:style>
+          <a:lnRef idx="2">
+            <a:schemeClr val="accent1">
+              <a:shade val="50000"/>
+            </a:schemeClr>
+          </a:lnRef>
+          <a:fillRef idx="1">
+            <a:schemeClr val="accent1"/>
+          </a:fillRef>
+          <a:effectRef idx="0">
+            <a:schemeClr val="accent1"/>
+          </a:effectRef>
+          <a:fontRef idx="minor">
+            <a:schemeClr val="lt1"/>
+          </a:fontRef>
+        </p:style>
+        <p:txBody>
+          <a:bodyPr rtlCol="0" anchor="ctr"/>
+          <a:lstStyle/>
+          <a:p>
+            <a:pPr algn="ctr"/>
+            <a:endParaRPr lang="de-DE"/>
+          </a:p>
+        </p:txBody>
+      </p:sp>
+      <p:sp>
+        <p:nvSpPr>
+          <p:cNvPr id="32" name="Gleichschenkliges Dreieck 89">
+            <a:extLst>
+              <a:ext uri="{FF2B5EF4-FFF2-40B4-BE49-F238E27FC236}">
+                <a16:creationId xmlns:a16="http://schemas.microsoft.com/office/drawing/2014/main" id="{85F798DE-254F-2DEE-CAB9-8B7F79D0EDD9}"/>
+              </a:ext>
+            </a:extLst>
+          </p:cNvPr>
+          <p:cNvSpPr/>
+          <p:nvPr/>
+        </p:nvSpPr>
+        <p:spPr>
+          <a:xfrm rot="16200000" flipV="1">
+            <a:off x="3495487" y="3840461"/>
+            <a:ext cx="243920" cy="80737"/>
+          </a:xfrm>
+          <a:prstGeom prst="triangle">
+            <a:avLst/>
+          </a:prstGeom>
+          <a:solidFill>
+            <a:srgbClr val="168213"/>
+          </a:solidFill>
+          <a:ln>
+            <a:solidFill>
+              <a:schemeClr val="bg1"/>
+            </a:solidFill>
+          </a:ln>
+        </p:spPr>
+        <p:style>
+          <a:lnRef idx="2">
+            <a:schemeClr val="accent1">
+              <a:shade val="50000"/>
+            </a:schemeClr>
+          </a:lnRef>
+          <a:fillRef idx="1">
+            <a:schemeClr val="accent1"/>
+          </a:fillRef>
+          <a:effectRef idx="0">
+            <a:schemeClr val="accent1"/>
+          </a:effectRef>
+          <a:fontRef idx="minor">
+            <a:schemeClr val="lt1"/>
+          </a:fontRef>
+        </p:style>
+        <p:txBody>
+          <a:bodyPr rtlCol="0" anchor="ctr"/>
+          <a:lstStyle/>
+          <a:p>
+            <a:pPr algn="ctr"/>
+            <a:endParaRPr lang="de-DE"/>
+          </a:p>
+        </p:txBody>
+      </p:sp>
+      <p:grpSp>
+        <p:nvGrpSpPr>
+          <p:cNvPr id="33" name="Gruppieren 91">
+            <a:extLst>
+              <a:ext uri="{FF2B5EF4-FFF2-40B4-BE49-F238E27FC236}">
+                <a16:creationId xmlns:a16="http://schemas.microsoft.com/office/drawing/2014/main" id="{1E374354-2541-BC38-FC5B-F08B2ABA204F}"/>
+              </a:ext>
+            </a:extLst>
+          </p:cNvPr>
+          <p:cNvGrpSpPr/>
+          <p:nvPr/>
+        </p:nvGrpSpPr>
+        <p:grpSpPr>
+          <a:xfrm rot="5400000">
+            <a:off x="4422374" y="4648994"/>
+            <a:ext cx="247942" cy="188038"/>
+            <a:chOff x="6353895" y="4446587"/>
+            <a:chExt cx="237546" cy="180154"/>
+          </a:xfrm>
+        </p:grpSpPr>
+        <p:sp>
+          <p:nvSpPr>
+            <p:cNvPr id="34" name="Gleichschenkliges Dreieck 132">
+              <a:extLst>
+                <a:ext uri="{FF2B5EF4-FFF2-40B4-BE49-F238E27FC236}">
+                  <a16:creationId xmlns:a16="http://schemas.microsoft.com/office/drawing/2014/main" id="{ED542956-164E-1681-3501-DBA187B96BCC}"/>
+                </a:ext>
+              </a:extLst>
+            </p:cNvPr>
+            <p:cNvSpPr/>
+            <p:nvPr/>
+          </p:nvSpPr>
+          <p:spPr>
+            <a:xfrm>
+              <a:off x="6353895" y="4446587"/>
+              <a:ext cx="233693" cy="77352"/>
+            </a:xfrm>
+            <a:prstGeom prst="triangle">
+              <a:avLst/>
+            </a:prstGeom>
+            <a:solidFill>
+              <a:srgbClr val="168213"/>
+            </a:solidFill>
+            <a:ln>
+              <a:solidFill>
+                <a:schemeClr val="bg1"/>
+              </a:solidFill>
+            </a:ln>
+          </p:spPr>
+          <p:style>
+            <a:lnRef idx="2">
+              <a:schemeClr val="accent1">
+                <a:shade val="50000"/>
+              </a:schemeClr>
+            </a:lnRef>
+            <a:fillRef idx="1">
+              <a:schemeClr val="accent1"/>
+            </a:fillRef>
+            <a:effectRef idx="0">
+              <a:schemeClr val="accent1"/>
+            </a:effectRef>
+            <a:fontRef idx="minor">
+              <a:schemeClr val="lt1"/>
+            </a:fontRef>
+          </p:style>
+          <p:txBody>
+            <a:bodyPr rtlCol="0" anchor="ctr"/>
+            <a:lstStyle/>
+            <a:p>
+              <a:pPr algn="ctr"/>
+              <a:endParaRPr lang="de-DE"/>
+            </a:p>
+          </p:txBody>
+        </p:sp>
+        <p:sp>
+          <p:nvSpPr>
+            <p:cNvPr id="35" name="Gleichschenkliges Dreieck 133">
+              <a:extLst>
+                <a:ext uri="{FF2B5EF4-FFF2-40B4-BE49-F238E27FC236}">
+                  <a16:creationId xmlns:a16="http://schemas.microsoft.com/office/drawing/2014/main" id="{6ABCFEEB-51C4-F968-F3A4-789EBBE9BEBA}"/>
+                </a:ext>
+              </a:extLst>
+            </p:cNvPr>
+            <p:cNvSpPr/>
+            <p:nvPr/>
+          </p:nvSpPr>
+          <p:spPr>
+            <a:xfrm flipV="1">
+              <a:off x="6357748" y="4549389"/>
+              <a:ext cx="233693" cy="77352"/>
+            </a:xfrm>
+            <a:prstGeom prst="triangle">
+              <a:avLst/>
+            </a:prstGeom>
+            <a:solidFill>
+              <a:srgbClr val="168213"/>
+            </a:solidFill>
+            <a:ln>
+              <a:solidFill>
+                <a:schemeClr val="bg1"/>
+              </a:solidFill>
+            </a:ln>
+          </p:spPr>
+          <p:style>
+            <a:lnRef idx="2">
+              <a:schemeClr val="accent1">
+                <a:shade val="50000"/>
+              </a:schemeClr>
+            </a:lnRef>
+            <a:fillRef idx="1">
+              <a:schemeClr val="accent1"/>
+            </a:fillRef>
+            <a:effectRef idx="0">
+              <a:schemeClr val="accent1"/>
+            </a:effectRef>
+            <a:fontRef idx="minor">
+              <a:schemeClr val="lt1"/>
+            </a:fontRef>
+          </p:style>
+          <p:txBody>
+            <a:bodyPr rtlCol="0" anchor="ctr"/>
+            <a:lstStyle/>
+            <a:p>
+              <a:pPr algn="ctr"/>
+              <a:endParaRPr lang="de-DE"/>
+            </a:p>
+          </p:txBody>
+        </p:sp>
+      </p:grpSp>
+      <p:cxnSp>
+        <p:nvCxnSpPr>
+          <p:cNvPr id="37" name="Gerader Verbinder 94">
+            <a:extLst>
+              <a:ext uri="{FF2B5EF4-FFF2-40B4-BE49-F238E27FC236}">
+                <a16:creationId xmlns:a16="http://schemas.microsoft.com/office/drawing/2014/main" id="{3DEBE535-A6E4-0758-242B-738AAD10E46B}"/>
+              </a:ext>
+            </a:extLst>
+          </p:cNvPr>
+          <p:cNvCxnSpPr>
+            <a:cxnSpLocks/>
+          </p:cNvCxnSpPr>
+          <p:nvPr/>
+        </p:nvCxnSpPr>
+        <p:spPr>
+          <a:xfrm>
+            <a:off x="4850106" y="2157485"/>
+            <a:ext cx="3021354" cy="27477"/>
+          </a:xfrm>
+          <a:prstGeom prst="line">
+            <a:avLst/>
+          </a:prstGeom>
+          <a:ln w="76200">
+            <a:solidFill>
+              <a:srgbClr val="C00000"/>
+            </a:solidFill>
+          </a:ln>
+        </p:spPr>
+        <p:style>
+          <a:lnRef idx="1">
+            <a:schemeClr val="accent1"/>
+          </a:lnRef>
+          <a:fillRef idx="0">
+            <a:schemeClr val="accent1"/>
+          </a:fillRef>
+          <a:effectRef idx="0">
+            <a:schemeClr val="accent1"/>
+          </a:effectRef>
+          <a:fontRef idx="minor">
+            <a:schemeClr val="tx1"/>
+          </a:fontRef>
+        </p:style>
+      </p:cxnSp>
+      <p:sp>
+        <p:nvSpPr>
+          <p:cNvPr id="38" name="Gleichschenkliges Dreieck 96">
+            <a:extLst>
+              <a:ext uri="{FF2B5EF4-FFF2-40B4-BE49-F238E27FC236}">
+                <a16:creationId xmlns:a16="http://schemas.microsoft.com/office/drawing/2014/main" id="{8B520D06-B05F-DBED-F0B4-6178E09A14F7}"/>
+              </a:ext>
+            </a:extLst>
+          </p:cNvPr>
+          <p:cNvSpPr/>
+          <p:nvPr/>
+        </p:nvSpPr>
+        <p:spPr>
+          <a:xfrm rot="16200000" flipV="1">
+            <a:off x="7222210" y="2144594"/>
+            <a:ext cx="243920" cy="80737"/>
+          </a:xfrm>
+          <a:prstGeom prst="triangle">
+            <a:avLst/>
+          </a:prstGeom>
+          <a:solidFill>
+            <a:srgbClr val="C00000"/>
+          </a:solidFill>
+          <a:ln>
+            <a:solidFill>
+              <a:schemeClr val="bg1"/>
+            </a:solidFill>
+          </a:ln>
+        </p:spPr>
+        <p:style>
+          <a:lnRef idx="2">
+            <a:schemeClr val="accent1">
+              <a:shade val="50000"/>
+            </a:schemeClr>
+          </a:lnRef>
+          <a:fillRef idx="1">
+            <a:schemeClr val="accent1"/>
+          </a:fillRef>
+          <a:effectRef idx="0">
+            <a:schemeClr val="accent1"/>
+          </a:effectRef>
+          <a:fontRef idx="minor">
+            <a:schemeClr val="lt1"/>
+          </a:fontRef>
+        </p:style>
+        <p:txBody>
+          <a:bodyPr rtlCol="0" anchor="ctr"/>
+          <a:lstStyle/>
+          <a:p>
+            <a:pPr algn="ctr"/>
+            <a:endParaRPr lang="de-DE"/>
+          </a:p>
+        </p:txBody>
+      </p:sp>
+      <p:pic>
+        <p:nvPicPr>
+          <p:cNvPr id="39" name="Grafik 99">
+            <a:extLst>
+              <a:ext uri="{FF2B5EF4-FFF2-40B4-BE49-F238E27FC236}">
+                <a16:creationId xmlns:a16="http://schemas.microsoft.com/office/drawing/2014/main" id="{6E5A117C-8F4E-4E3F-30BB-AFFC5026A557}"/>
+              </a:ext>
+            </a:extLst>
+          </p:cNvPr>
+          <p:cNvPicPr>
+            <a:picLocks noChangeAspect="1"/>
+          </p:cNvPicPr>
+          <p:nvPr/>
+        </p:nvPicPr>
+        <p:blipFill>
+          <a:blip r:embed="rId2">
+            <a:extLst>
+              <a:ext uri="{28A0092B-C50C-407E-A947-70E740481C1C}">
+                <a14:useLocalDpi xmlns:a14="http://schemas.microsoft.com/office/drawing/2010/main" val="0"/>
+              </a:ext>
+            </a:extLst>
+          </a:blip>
+          <a:stretch>
+            <a:fillRect/>
+          </a:stretch>
+        </p:blipFill>
+        <p:spPr>
+          <a:xfrm>
+            <a:off x="7614281" y="4473252"/>
+            <a:ext cx="532730" cy="511027"/>
+          </a:xfrm>
+          <a:prstGeom prst="rect">
+            <a:avLst/>
+          </a:prstGeom>
+        </p:spPr>
+      </p:pic>
+      <p:pic>
+        <p:nvPicPr>
+          <p:cNvPr id="40" name="Grafik 100">
+            <a:extLst>
+              <a:ext uri="{FF2B5EF4-FFF2-40B4-BE49-F238E27FC236}">
+                <a16:creationId xmlns:a16="http://schemas.microsoft.com/office/drawing/2014/main" id="{C86822E6-EDAD-92FD-9B54-0E849F9430CD}"/>
+              </a:ext>
+            </a:extLst>
+          </p:cNvPr>
+          <p:cNvPicPr>
+            <a:picLocks noChangeAspect="1"/>
+          </p:cNvPicPr>
+          <p:nvPr/>
+        </p:nvPicPr>
+        <p:blipFill>
+          <a:blip r:embed="rId3">
+            <a:extLst>
+              <a:ext uri="{28A0092B-C50C-407E-A947-70E740481C1C}">
+                <a14:useLocalDpi xmlns:a14="http://schemas.microsoft.com/office/drawing/2010/main" val="0"/>
+              </a:ext>
+            </a:extLst>
+          </a:blip>
+          <a:stretch>
+            <a:fillRect/>
+          </a:stretch>
+        </p:blipFill>
+        <p:spPr>
+          <a:xfrm>
+            <a:off x="7614281" y="1901972"/>
+            <a:ext cx="532730" cy="511027"/>
+          </a:xfrm>
+          <a:prstGeom prst="rect">
+            <a:avLst/>
+          </a:prstGeom>
+        </p:spPr>
+      </p:pic>
+      <p:pic>
+        <p:nvPicPr>
+          <p:cNvPr id="41" name="Grafik 101">
+            <a:extLst>
+              <a:ext uri="{FF2B5EF4-FFF2-40B4-BE49-F238E27FC236}">
+                <a16:creationId xmlns:a16="http://schemas.microsoft.com/office/drawing/2014/main" id="{0239510F-0E99-C016-FBFA-01AEF6F7EAFE}"/>
+              </a:ext>
+            </a:extLst>
+          </p:cNvPr>
+          <p:cNvPicPr>
+            <a:picLocks noChangeAspect="1"/>
+          </p:cNvPicPr>
+          <p:nvPr/>
+        </p:nvPicPr>
+        <p:blipFill>
+          <a:blip r:embed="rId4">
+            <a:extLst>
+              <a:ext uri="{28A0092B-C50C-407E-A947-70E740481C1C}">
+                <a14:useLocalDpi xmlns:a14="http://schemas.microsoft.com/office/drawing/2010/main" val="0"/>
+              </a:ext>
+            </a:extLst>
+          </a:blip>
+          <a:stretch>
+            <a:fillRect/>
+          </a:stretch>
+        </p:blipFill>
+        <p:spPr>
+          <a:xfrm>
+            <a:off x="6456657" y="1929449"/>
+            <a:ext cx="532730" cy="511027"/>
+          </a:xfrm>
+          <a:prstGeom prst="rect">
+            <a:avLst/>
+          </a:prstGeom>
+        </p:spPr>
+      </p:pic>
+      <p:pic>
+        <p:nvPicPr>
+          <p:cNvPr id="42" name="Grafik 102">
+            <a:extLst>
+              <a:ext uri="{FF2B5EF4-FFF2-40B4-BE49-F238E27FC236}">
+                <a16:creationId xmlns:a16="http://schemas.microsoft.com/office/drawing/2014/main" id="{4737BD10-DF25-03E5-76D9-660CE882D844}"/>
+              </a:ext>
+            </a:extLst>
+          </p:cNvPr>
+          <p:cNvPicPr>
+            <a:picLocks noChangeAspect="1"/>
+          </p:cNvPicPr>
+          <p:nvPr/>
+        </p:nvPicPr>
+        <p:blipFill>
+          <a:blip r:embed="rId5">
+            <a:extLst>
+              <a:ext uri="{28A0092B-C50C-407E-A947-70E740481C1C}">
+                <a14:useLocalDpi xmlns:a14="http://schemas.microsoft.com/office/drawing/2010/main" val="0"/>
+              </a:ext>
+            </a:extLst>
+          </a:blip>
+          <a:stretch>
+            <a:fillRect/>
+          </a:stretch>
+        </p:blipFill>
+        <p:spPr>
+          <a:xfrm>
+            <a:off x="5327224" y="2777383"/>
+            <a:ext cx="530531" cy="511027"/>
+          </a:xfrm>
+          <a:prstGeom prst="rect">
+            <a:avLst/>
+          </a:prstGeom>
+        </p:spPr>
+      </p:pic>
+      <p:pic>
+        <p:nvPicPr>
+          <p:cNvPr id="44" name="Grafik 105">
+            <a:extLst>
+              <a:ext uri="{FF2B5EF4-FFF2-40B4-BE49-F238E27FC236}">
+                <a16:creationId xmlns:a16="http://schemas.microsoft.com/office/drawing/2014/main" id="{B77D3BD0-24E7-3FA0-7B54-795CC8D6BEB7}"/>
+              </a:ext>
+            </a:extLst>
+          </p:cNvPr>
+          <p:cNvPicPr>
+            <a:picLocks noChangeAspect="1"/>
+          </p:cNvPicPr>
+          <p:nvPr/>
+        </p:nvPicPr>
+        <p:blipFill>
+          <a:blip r:embed="rId6">
+            <a:extLst>
+              <a:ext uri="{28A0092B-C50C-407E-A947-70E740481C1C}">
+                <a14:useLocalDpi xmlns:a14="http://schemas.microsoft.com/office/drawing/2010/main" val="0"/>
+              </a:ext>
+            </a:extLst>
+          </a:blip>
+          <a:stretch>
+            <a:fillRect/>
+          </a:stretch>
+        </p:blipFill>
+        <p:spPr>
+          <a:xfrm>
+            <a:off x="2241000" y="4473252"/>
+            <a:ext cx="532730" cy="511027"/>
+          </a:xfrm>
+          <a:prstGeom prst="rect">
+            <a:avLst/>
+          </a:prstGeom>
+        </p:spPr>
+      </p:pic>
+      <p:pic>
+        <p:nvPicPr>
+          <p:cNvPr id="46" name="Grafik 116">
+            <a:extLst>
+              <a:ext uri="{FF2B5EF4-FFF2-40B4-BE49-F238E27FC236}">
+                <a16:creationId xmlns:a16="http://schemas.microsoft.com/office/drawing/2014/main" id="{F41D61D6-500E-DFD1-7BE5-07ADEF876D0A}"/>
+              </a:ext>
+            </a:extLst>
+          </p:cNvPr>
+          <p:cNvPicPr>
+            <a:picLocks noChangeAspect="1"/>
+          </p:cNvPicPr>
+          <p:nvPr/>
+        </p:nvPicPr>
+        <p:blipFill>
+          <a:blip r:embed="rId7">
+            <a:extLst>
+              <a:ext uri="{28A0092B-C50C-407E-A947-70E740481C1C}">
+                <a14:useLocalDpi xmlns:a14="http://schemas.microsoft.com/office/drawing/2010/main" val="0"/>
+              </a:ext>
+            </a:extLst>
+          </a:blip>
+          <a:stretch>
+            <a:fillRect/>
+          </a:stretch>
+        </p:blipFill>
+        <p:spPr>
+          <a:xfrm>
+            <a:off x="6456657" y="3625317"/>
+            <a:ext cx="532730" cy="511027"/>
+          </a:xfrm>
+          <a:prstGeom prst="rect">
+            <a:avLst/>
+          </a:prstGeom>
+        </p:spPr>
+      </p:pic>
+      <p:pic>
+        <p:nvPicPr>
+          <p:cNvPr id="47" name="Grafik 117">
+            <a:extLst>
+              <a:ext uri="{FF2B5EF4-FFF2-40B4-BE49-F238E27FC236}">
+                <a16:creationId xmlns:a16="http://schemas.microsoft.com/office/drawing/2014/main" id="{08B7EC28-7748-0B78-6EC1-6539B4BA12C4}"/>
+              </a:ext>
+            </a:extLst>
+          </p:cNvPr>
+          <p:cNvPicPr>
+            <a:picLocks noChangeAspect="1"/>
+          </p:cNvPicPr>
+          <p:nvPr/>
+        </p:nvPicPr>
+        <p:blipFill>
+          <a:blip r:embed="rId8">
+            <a:extLst>
+              <a:ext uri="{28A0092B-C50C-407E-A947-70E740481C1C}">
+                <a14:useLocalDpi xmlns:a14="http://schemas.microsoft.com/office/drawing/2010/main" val="0"/>
+              </a:ext>
+            </a:extLst>
+          </a:blip>
+          <a:stretch>
+            <a:fillRect/>
+          </a:stretch>
+        </p:blipFill>
+        <p:spPr>
+          <a:xfrm>
+            <a:off x="5325025" y="3625317"/>
+            <a:ext cx="532730" cy="511027"/>
+          </a:xfrm>
+          <a:prstGeom prst="rect">
+            <a:avLst/>
+          </a:prstGeom>
+        </p:spPr>
+      </p:pic>
+      <p:pic>
+        <p:nvPicPr>
+          <p:cNvPr id="48" name="Grafik 118">
+            <a:extLst>
+              <a:ext uri="{FF2B5EF4-FFF2-40B4-BE49-F238E27FC236}">
+                <a16:creationId xmlns:a16="http://schemas.microsoft.com/office/drawing/2014/main" id="{595DC794-1389-6987-CE76-A7C513761D40}"/>
+              </a:ext>
+            </a:extLst>
+          </p:cNvPr>
+          <p:cNvPicPr>
+            <a:picLocks noChangeAspect="1"/>
+          </p:cNvPicPr>
+          <p:nvPr/>
+        </p:nvPicPr>
+        <p:blipFill>
+          <a:blip r:embed="rId9">
+            <a:extLst>
+              <a:ext uri="{28A0092B-C50C-407E-A947-70E740481C1C}">
+                <a14:useLocalDpi xmlns:a14="http://schemas.microsoft.com/office/drawing/2010/main" val="0"/>
+              </a:ext>
+            </a:extLst>
+          </a:blip>
+          <a:stretch>
+            <a:fillRect/>
+          </a:stretch>
+        </p:blipFill>
+        <p:spPr>
+          <a:xfrm>
+            <a:off x="3794399" y="3653586"/>
+            <a:ext cx="489297" cy="469364"/>
+          </a:xfrm>
+          <a:prstGeom prst="rect">
+            <a:avLst/>
+          </a:prstGeom>
+        </p:spPr>
+      </p:pic>
+      <p:sp>
+        <p:nvSpPr>
+          <p:cNvPr id="50" name="Gleichschenkliges Dreieck 169">
+            <a:extLst>
+              <a:ext uri="{FF2B5EF4-FFF2-40B4-BE49-F238E27FC236}">
+                <a16:creationId xmlns:a16="http://schemas.microsoft.com/office/drawing/2014/main" id="{4B009E62-07D7-D852-5EAF-3EDDEA926913}"/>
+              </a:ext>
+            </a:extLst>
+          </p:cNvPr>
+          <p:cNvSpPr/>
+          <p:nvPr/>
+        </p:nvSpPr>
+        <p:spPr>
+          <a:xfrm rot="16200000" flipV="1">
+            <a:off x="3442423" y="2975982"/>
+            <a:ext cx="243920" cy="80737"/>
+          </a:xfrm>
+          <a:prstGeom prst="triangle">
+            <a:avLst/>
+          </a:prstGeom>
+          <a:solidFill>
+            <a:srgbClr val="168213"/>
+          </a:solidFill>
+          <a:ln>
+            <a:solidFill>
+              <a:schemeClr val="bg1"/>
+            </a:solidFill>
+          </a:ln>
+        </p:spPr>
+        <p:style>
+          <a:lnRef idx="2">
+            <a:schemeClr val="accent1">
+              <a:shade val="50000"/>
+            </a:schemeClr>
+          </a:lnRef>
+          <a:fillRef idx="1">
+            <a:schemeClr val="accent1"/>
+          </a:fillRef>
+          <a:effectRef idx="0">
+            <a:schemeClr val="accent1"/>
+          </a:effectRef>
+          <a:fontRef idx="minor">
+            <a:schemeClr val="lt1"/>
+          </a:fontRef>
+        </p:style>
+        <p:txBody>
+          <a:bodyPr rtlCol="0" anchor="ctr"/>
+          <a:lstStyle/>
+          <a:p>
+            <a:pPr algn="ctr"/>
+            <a:endParaRPr lang="de-DE"/>
+          </a:p>
+        </p:txBody>
+      </p:sp>
+      <p:sp>
+        <p:nvSpPr>
+          <p:cNvPr id="51" name="Gleichschenkliges Dreieck 170">
+            <a:extLst>
+              <a:ext uri="{FF2B5EF4-FFF2-40B4-BE49-F238E27FC236}">
+                <a16:creationId xmlns:a16="http://schemas.microsoft.com/office/drawing/2014/main" id="{8A1C95EB-A65F-914D-793B-5DA5E5A04427}"/>
+              </a:ext>
+            </a:extLst>
+          </p:cNvPr>
+          <p:cNvSpPr/>
+          <p:nvPr/>
+        </p:nvSpPr>
+        <p:spPr>
+          <a:xfrm>
+            <a:off x="3156961" y="4369934"/>
+            <a:ext cx="243920" cy="80737"/>
+          </a:xfrm>
+          <a:prstGeom prst="triangle">
+            <a:avLst/>
+          </a:prstGeom>
+          <a:solidFill>
+            <a:srgbClr val="168213"/>
+          </a:solidFill>
+          <a:ln>
+            <a:solidFill>
+              <a:schemeClr val="bg1"/>
+            </a:solidFill>
+          </a:ln>
+        </p:spPr>
+        <p:style>
+          <a:lnRef idx="2">
+            <a:schemeClr val="accent1">
+              <a:shade val="50000"/>
+            </a:schemeClr>
+          </a:lnRef>
+          <a:fillRef idx="1">
+            <a:schemeClr val="accent1"/>
+          </a:fillRef>
+          <a:effectRef idx="0">
+            <a:schemeClr val="accent1"/>
+          </a:effectRef>
+          <a:fontRef idx="minor">
+            <a:schemeClr val="lt1"/>
+          </a:fontRef>
+        </p:style>
+        <p:txBody>
+          <a:bodyPr rtlCol="0" anchor="ctr"/>
+          <a:lstStyle/>
+          <a:p>
+            <a:pPr algn="ctr"/>
+            <a:endParaRPr lang="de-DE"/>
+          </a:p>
+        </p:txBody>
+      </p:sp>
+      <p:sp>
+        <p:nvSpPr>
+          <p:cNvPr id="52" name="Gleichschenkliges Dreieck 171">
+            <a:extLst>
+              <a:ext uri="{FF2B5EF4-FFF2-40B4-BE49-F238E27FC236}">
+                <a16:creationId xmlns:a16="http://schemas.microsoft.com/office/drawing/2014/main" id="{1B7266EF-A4A3-BE6A-C79B-C4E29DDE00F4}"/>
+              </a:ext>
+            </a:extLst>
+          </p:cNvPr>
+          <p:cNvSpPr/>
+          <p:nvPr/>
+        </p:nvSpPr>
+        <p:spPr>
+          <a:xfrm>
+            <a:off x="6605511" y="4331972"/>
+            <a:ext cx="243920" cy="80737"/>
+          </a:xfrm>
+          <a:prstGeom prst="triangle">
+            <a:avLst/>
+          </a:prstGeom>
+          <a:solidFill>
+            <a:srgbClr val="168213"/>
+          </a:solidFill>
+          <a:ln>
+            <a:solidFill>
+              <a:schemeClr val="bg1"/>
+            </a:solidFill>
+          </a:ln>
+        </p:spPr>
+        <p:style>
+          <a:lnRef idx="2">
+            <a:schemeClr val="accent1">
+              <a:shade val="50000"/>
+            </a:schemeClr>
+          </a:lnRef>
+          <a:fillRef idx="1">
+            <a:schemeClr val="accent1"/>
+          </a:fillRef>
+          <a:effectRef idx="0">
+            <a:schemeClr val="accent1"/>
+          </a:effectRef>
+          <a:fontRef idx="minor">
+            <a:schemeClr val="lt1"/>
+          </a:fontRef>
+        </p:style>
+        <p:txBody>
+          <a:bodyPr rtlCol="0" anchor="ctr"/>
+          <a:lstStyle/>
+          <a:p>
+            <a:pPr algn="ctr"/>
+            <a:endParaRPr lang="de-DE"/>
+          </a:p>
+        </p:txBody>
+      </p:sp>
+      <p:sp>
+        <p:nvSpPr>
+          <p:cNvPr id="53" name="Gleichschenkliges Dreieck 186">
+            <a:extLst>
+              <a:ext uri="{FF2B5EF4-FFF2-40B4-BE49-F238E27FC236}">
+                <a16:creationId xmlns:a16="http://schemas.microsoft.com/office/drawing/2014/main" id="{A507B376-8D33-9A5E-6D3F-B3CE57B16985}"/>
+              </a:ext>
+            </a:extLst>
+          </p:cNvPr>
+          <p:cNvSpPr/>
+          <p:nvPr/>
+        </p:nvSpPr>
+        <p:spPr>
+          <a:xfrm rot="10800000" flipV="1">
+            <a:off x="4728146" y="3518649"/>
+            <a:ext cx="243920" cy="80737"/>
+          </a:xfrm>
+          <a:prstGeom prst="triangle">
+            <a:avLst/>
+          </a:prstGeom>
+          <a:solidFill>
+            <a:srgbClr val="C00000"/>
+          </a:solidFill>
+          <a:ln>
+            <a:solidFill>
+              <a:schemeClr val="bg1"/>
+            </a:solidFill>
+          </a:ln>
+        </p:spPr>
+        <p:style>
+          <a:lnRef idx="2">
+            <a:schemeClr val="accent1">
+              <a:shade val="50000"/>
+            </a:schemeClr>
+          </a:lnRef>
+          <a:fillRef idx="1">
+            <a:schemeClr val="accent1"/>
+          </a:fillRef>
+          <a:effectRef idx="0">
+            <a:schemeClr val="accent1"/>
+          </a:effectRef>
+          <a:fontRef idx="minor">
+            <a:schemeClr val="lt1"/>
+          </a:fontRef>
+        </p:style>
+        <p:txBody>
+          <a:bodyPr rtlCol="0" anchor="ctr"/>
+          <a:lstStyle/>
+          <a:p>
+            <a:pPr algn="ctr"/>
+            <a:endParaRPr lang="de-DE"/>
+          </a:p>
+        </p:txBody>
+      </p:sp>
+      <p:sp>
+        <p:nvSpPr>
+          <p:cNvPr id="54" name="Gleichschenkliges Dreieck 187">
+            <a:extLst>
+              <a:ext uri="{FF2B5EF4-FFF2-40B4-BE49-F238E27FC236}">
+                <a16:creationId xmlns:a16="http://schemas.microsoft.com/office/drawing/2014/main" id="{4811469B-E8A0-F01B-5175-D56FFE211BA0}"/>
+              </a:ext>
+            </a:extLst>
+          </p:cNvPr>
+          <p:cNvSpPr/>
+          <p:nvPr/>
+        </p:nvSpPr>
+        <p:spPr>
+          <a:xfrm rot="16200000" flipV="1">
+            <a:off x="5996876" y="2144594"/>
+            <a:ext cx="243920" cy="80737"/>
+          </a:xfrm>
+          <a:prstGeom prst="triangle">
+            <a:avLst/>
+          </a:prstGeom>
+          <a:solidFill>
+            <a:srgbClr val="C00000"/>
+          </a:solidFill>
+          <a:ln>
+            <a:solidFill>
+              <a:schemeClr val="bg1"/>
+            </a:solidFill>
+          </a:ln>
+        </p:spPr>
+        <p:style>
+          <a:lnRef idx="2">
+            <a:schemeClr val="accent1">
+              <a:shade val="50000"/>
+            </a:schemeClr>
+          </a:lnRef>
+          <a:fillRef idx="1">
+            <a:schemeClr val="accent1"/>
+          </a:fillRef>
+          <a:effectRef idx="0">
+            <a:schemeClr val="accent1"/>
+          </a:effectRef>
+          <a:fontRef idx="minor">
+            <a:schemeClr val="lt1"/>
+          </a:fontRef>
+        </p:style>
+        <p:txBody>
+          <a:bodyPr rtlCol="0" anchor="ctr"/>
+          <a:lstStyle/>
+          <a:p>
+            <a:pPr algn="ctr"/>
+            <a:endParaRPr lang="de-DE"/>
+          </a:p>
+        </p:txBody>
+      </p:sp>
+      <p:sp>
+        <p:nvSpPr>
+          <p:cNvPr id="55" name="Gleichschenkliges Dreieck 188">
+            <a:extLst>
+              <a:ext uri="{FF2B5EF4-FFF2-40B4-BE49-F238E27FC236}">
+                <a16:creationId xmlns:a16="http://schemas.microsoft.com/office/drawing/2014/main" id="{0CA45CD3-BE60-4F7C-2720-ACB3AE345321}"/>
+              </a:ext>
+            </a:extLst>
+          </p:cNvPr>
+          <p:cNvSpPr/>
+          <p:nvPr/>
+        </p:nvSpPr>
+        <p:spPr>
+          <a:xfrm rot="16200000" flipV="1">
+            <a:off x="4451471" y="2998272"/>
+            <a:ext cx="243920" cy="80737"/>
+          </a:xfrm>
+          <a:prstGeom prst="triangle">
+            <a:avLst/>
+          </a:prstGeom>
+          <a:solidFill>
+            <a:srgbClr val="C00000"/>
+          </a:solidFill>
+          <a:ln>
+            <a:solidFill>
+              <a:schemeClr val="bg1"/>
+            </a:solidFill>
+          </a:ln>
+        </p:spPr>
+        <p:style>
+          <a:lnRef idx="2">
+            <a:schemeClr val="accent1">
+              <a:shade val="50000"/>
+            </a:schemeClr>
+          </a:lnRef>
+          <a:fillRef idx="1">
+            <a:schemeClr val="accent1"/>
+          </a:fillRef>
+          <a:effectRef idx="0">
+            <a:schemeClr val="accent1"/>
+          </a:effectRef>
+          <a:fontRef idx="minor">
+            <a:schemeClr val="lt1"/>
+          </a:fontRef>
+        </p:style>
+        <p:txBody>
+          <a:bodyPr rtlCol="0" anchor="ctr"/>
+          <a:lstStyle/>
+          <a:p>
+            <a:pPr algn="ctr"/>
+            <a:endParaRPr lang="de-DE"/>
+          </a:p>
+        </p:txBody>
+      </p:sp>
+      <p:sp>
+        <p:nvSpPr>
+          <p:cNvPr id="56" name="Gleichschenkliges Dreieck 189">
+            <a:extLst>
+              <a:ext uri="{FF2B5EF4-FFF2-40B4-BE49-F238E27FC236}">
+                <a16:creationId xmlns:a16="http://schemas.microsoft.com/office/drawing/2014/main" id="{F0C73A23-2056-AAD5-5FB2-B4BF095420C0}"/>
+              </a:ext>
+            </a:extLst>
+          </p:cNvPr>
+          <p:cNvSpPr/>
+          <p:nvPr/>
+        </p:nvSpPr>
+        <p:spPr>
+          <a:xfrm rot="16200000" flipV="1">
+            <a:off x="4459940" y="3833705"/>
+            <a:ext cx="243920" cy="80737"/>
+          </a:xfrm>
+          <a:prstGeom prst="triangle">
+            <a:avLst/>
+          </a:prstGeom>
+          <a:solidFill>
+            <a:srgbClr val="C00000"/>
+          </a:solidFill>
+          <a:ln>
+            <a:solidFill>
+              <a:schemeClr val="bg1"/>
+            </a:solidFill>
+          </a:ln>
+        </p:spPr>
+        <p:style>
+          <a:lnRef idx="2">
+            <a:schemeClr val="accent1">
+              <a:shade val="50000"/>
+            </a:schemeClr>
+          </a:lnRef>
+          <a:fillRef idx="1">
+            <a:schemeClr val="accent1"/>
+          </a:fillRef>
+          <a:effectRef idx="0">
+            <a:schemeClr val="accent1"/>
+          </a:effectRef>
+          <a:fontRef idx="minor">
+            <a:schemeClr val="lt1"/>
+          </a:fontRef>
+        </p:style>
+        <p:txBody>
+          <a:bodyPr rtlCol="0" anchor="ctr"/>
+          <a:lstStyle/>
+          <a:p>
+            <a:pPr algn="ctr"/>
+            <a:endParaRPr lang="de-DE"/>
+          </a:p>
+        </p:txBody>
+      </p:sp>
+      <p:pic>
+        <p:nvPicPr>
+          <p:cNvPr id="57" name="Grafik 118">
+            <a:extLst>
+              <a:ext uri="{FF2B5EF4-FFF2-40B4-BE49-F238E27FC236}">
+                <a16:creationId xmlns:a16="http://schemas.microsoft.com/office/drawing/2014/main" id="{5CEC6EEB-AE0A-1D3F-9F29-6F8CFA205FB4}"/>
+              </a:ext>
+            </a:extLst>
+          </p:cNvPr>
+          <p:cNvPicPr>
+            <a:picLocks noChangeAspect="1"/>
+          </p:cNvPicPr>
+          <p:nvPr/>
+        </p:nvPicPr>
+        <p:blipFill>
+          <a:blip r:embed="rId9">
+            <a:extLst>
+              <a:ext uri="{28A0092B-C50C-407E-A947-70E740481C1C}">
+                <a14:useLocalDpi xmlns:a14="http://schemas.microsoft.com/office/drawing/2010/main" val="0"/>
+              </a:ext>
+            </a:extLst>
+          </a:blip>
+          <a:stretch>
+            <a:fillRect/>
+          </a:stretch>
+        </p:blipFill>
+        <p:spPr>
+          <a:xfrm>
+            <a:off x="3798061" y="2774023"/>
+            <a:ext cx="489298" cy="486769"/>
+          </a:xfrm>
+          <a:prstGeom prst="rect">
+            <a:avLst/>
+          </a:prstGeom>
+        </p:spPr>
+      </p:pic>
+      <p:pic>
+        <p:nvPicPr>
+          <p:cNvPr id="64" name="Grafik 102">
+            <a:extLst>
+              <a:ext uri="{FF2B5EF4-FFF2-40B4-BE49-F238E27FC236}">
+                <a16:creationId xmlns:a16="http://schemas.microsoft.com/office/drawing/2014/main" id="{9155641F-96FA-7713-D43F-A621C9BED289}"/>
+              </a:ext>
+            </a:extLst>
+          </p:cNvPr>
+          <p:cNvPicPr>
+            <a:picLocks noChangeAspect="1"/>
+          </p:cNvPicPr>
+          <p:nvPr/>
+        </p:nvPicPr>
+        <p:blipFill>
+          <a:blip r:embed="rId5">
+            <a:extLst>
+              <a:ext uri="{28A0092B-C50C-407E-A947-70E740481C1C}">
+                <a14:useLocalDpi xmlns:a14="http://schemas.microsoft.com/office/drawing/2010/main" val="0"/>
+              </a:ext>
+            </a:extLst>
+          </a:blip>
+          <a:stretch>
+            <a:fillRect/>
+          </a:stretch>
+        </p:blipFill>
+        <p:spPr>
+          <a:xfrm>
+            <a:off x="5327224" y="1150727"/>
+            <a:ext cx="530531" cy="511027"/>
+          </a:xfrm>
+          <a:prstGeom prst="rect">
+            <a:avLst/>
+          </a:prstGeom>
+        </p:spPr>
+      </p:pic>
+      <p:sp>
+        <p:nvSpPr>
+          <p:cNvPr id="71" name="Gleichschenkliges Dreieck 77">
+            <a:extLst>
+              <a:ext uri="{FF2B5EF4-FFF2-40B4-BE49-F238E27FC236}">
+                <a16:creationId xmlns:a16="http://schemas.microsoft.com/office/drawing/2014/main" id="{F2F581D3-42F4-C6F1-4DB4-61E44BFACFC2}"/>
+              </a:ext>
+            </a:extLst>
+          </p:cNvPr>
+          <p:cNvSpPr/>
+          <p:nvPr/>
+        </p:nvSpPr>
+        <p:spPr>
+          <a:xfrm rot="10800000">
+            <a:off x="5469430" y="1821234"/>
+            <a:ext cx="243920" cy="80737"/>
+          </a:xfrm>
+          <a:prstGeom prst="triangle">
+            <a:avLst/>
+          </a:prstGeom>
+          <a:solidFill>
+            <a:srgbClr val="C00000"/>
+          </a:solidFill>
+          <a:ln>
+            <a:solidFill>
+              <a:schemeClr val="bg1"/>
+            </a:solidFill>
+          </a:ln>
+        </p:spPr>
+        <p:style>
+          <a:lnRef idx="2">
+            <a:schemeClr val="accent1">
+              <a:shade val="50000"/>
+            </a:schemeClr>
+          </a:lnRef>
+          <a:fillRef idx="1">
+            <a:schemeClr val="accent1"/>
+          </a:fillRef>
+          <a:effectRef idx="0">
+            <a:schemeClr val="accent1"/>
+          </a:effectRef>
+          <a:fontRef idx="minor">
+            <a:schemeClr val="lt1"/>
+          </a:fontRef>
+        </p:style>
+        <p:txBody>
+          <a:bodyPr rtlCol="0" anchor="ctr"/>
+          <a:lstStyle/>
+          <a:p>
+            <a:pPr algn="ctr"/>
+            <a:endParaRPr lang="de-DE"/>
+          </a:p>
+        </p:txBody>
+      </p:sp>
+    </p:spTree>
+    <p:extLst>
+      <p:ext uri="{BB962C8B-B14F-4D97-AF65-F5344CB8AC3E}">
+        <p14:creationId xmlns:p14="http://schemas.microsoft.com/office/powerpoint/2010/main" val="3733909000"/>
+      </p:ext>
+    </p:extLst>
+  </p:cSld>
+  <p:clrMapOvr>
+    <a:masterClrMapping/>
+  </p:clrMapOvr>
+</p:sld>
+</file>
+
+<file path=ppt/slides/slide4.xml><?xml version="1.0" encoding="utf-8"?>
 <p:sld xmlns:a="http://schemas.openxmlformats.org/drawingml/2006/main" xmlns:r="http://schemas.openxmlformats.org/officeDocument/2006/relationships" xmlns:p="http://schemas.openxmlformats.org/presentationml/2006/main">
   <p:cSld>
     <p:spTree>
@@ -14545,10 +16698,9 @@
           <a:lstStyle/>
           <a:p>
             <a:r>
-              <a:rPr lang="de-DE" dirty="0" smtClean="0"/>
+              <a:rPr lang="de-DE" dirty="0"/>
               <a:t>All</a:t>
             </a:r>
-            <a:endParaRPr lang="de-DE" dirty="0"/>
           </a:p>
         </p:txBody>
       </p:sp>
@@ -14820,7 +16972,7 @@
             </a:lstStyle>
             <a:p>
               <a:r>
-                <a:rPr lang="de-DE" sz="800" b="1" dirty="0" smtClean="0"/>
+                <a:rPr lang="de-DE" sz="800" b="1" dirty="0"/>
                 <a:t>Wärmebedarf</a:t>
               </a:r>
             </a:p>
@@ -14973,10 +17125,9 @@
             </a:lstStyle>
             <a:p>
               <a:r>
-                <a:rPr lang="de-DE" sz="800" b="1" dirty="0" smtClean="0"/>
+                <a:rPr lang="de-DE" sz="800" b="1" dirty="0"/>
                 <a:t>Elektrokessel</a:t>
               </a:r>
-              <a:endParaRPr lang="de-DE" sz="800" b="1" dirty="0"/>
             </a:p>
           </p:txBody>
         </p:sp>
@@ -16486,7 +18637,7 @@
             </a:lstStyle>
             <a:p>
               <a:r>
-                <a:rPr lang="de-DE" sz="800" b="1" dirty="0" smtClean="0"/>
+                <a:rPr lang="de-DE" sz="800" b="1" dirty="0"/>
                 <a:t>Batterie</a:t>
               </a:r>
             </a:p>
@@ -16639,7 +18790,7 @@
             </a:lstStyle>
             <a:p>
               <a:r>
-                <a:rPr lang="de-DE" sz="800" b="1" dirty="0" smtClean="0"/>
+                <a:rPr lang="de-DE" sz="800" b="1" dirty="0"/>
                 <a:t>PV</a:t>
               </a:r>
             </a:p>
@@ -16792,7 +18943,7 @@
             </a:lstStyle>
             <a:p>
               <a:r>
-                <a:rPr lang="de-DE" sz="800" b="1" dirty="0" smtClean="0"/>
+                <a:rPr lang="de-DE" sz="800" b="1" dirty="0"/>
                 <a:t>Windkraft</a:t>
               </a:r>
             </a:p>
@@ -16945,13 +19096,13 @@
             </a:lstStyle>
             <a:p>
               <a:r>
-                <a:rPr lang="de-DE" sz="800" b="1" dirty="0" smtClean="0"/>
+                <a:rPr lang="de-DE" sz="800" b="1" dirty="0"/>
                 <a:t>Brenn-</a:t>
               </a:r>
             </a:p>
             <a:p>
               <a:r>
-                <a:rPr lang="de-DE" sz="800" b="1" dirty="0" smtClean="0"/>
+                <a:rPr lang="de-DE" sz="800" b="1" dirty="0"/>
                 <a:t>stoffzelle</a:t>
               </a:r>
             </a:p>
@@ -17104,13 +19255,13 @@
             </a:lstStyle>
             <a:p>
               <a:r>
-                <a:rPr lang="de-DE" sz="800" b="1" dirty="0" smtClean="0"/>
+                <a:rPr lang="de-DE" sz="800" b="1" dirty="0"/>
                 <a:t>Elektroly-</a:t>
               </a:r>
             </a:p>
             <a:p>
               <a:r>
-                <a:rPr lang="de-DE" sz="800" b="1" dirty="0" smtClean="0"/>
+                <a:rPr lang="de-DE" sz="800" b="1" dirty="0"/>
                 <a:t>seur</a:t>
               </a:r>
             </a:p>
@@ -17263,13 +19414,13 @@
             </a:lstStyle>
             <a:p>
               <a:r>
-                <a:rPr lang="de-DE" sz="800" b="1" dirty="0" smtClean="0"/>
+                <a:rPr lang="de-DE" sz="800" b="1" dirty="0"/>
                 <a:t>Sabatier</a:t>
               </a:r>
             </a:p>
             <a:p>
               <a:r>
-                <a:rPr lang="de-DE" sz="800" b="1" dirty="0" smtClean="0"/>
+                <a:rPr lang="de-DE" sz="800" b="1" dirty="0"/>
                 <a:t>Prozess</a:t>
               </a:r>
             </a:p>
@@ -17422,13 +19573,13 @@
             </a:lstStyle>
             <a:p>
               <a:r>
-                <a:rPr lang="de-DE" sz="800" b="1" dirty="0" smtClean="0"/>
+                <a:rPr lang="de-DE" sz="800" b="1" dirty="0"/>
                 <a:t>Gas</a:t>
               </a:r>
             </a:p>
             <a:p>
               <a:r>
-                <a:rPr lang="de-DE" sz="800" b="1" dirty="0" smtClean="0"/>
+                <a:rPr lang="de-DE" sz="800" b="1" dirty="0"/>
                 <a:t>Kessel</a:t>
               </a:r>
             </a:p>
@@ -17581,13 +19732,13 @@
             </a:lstStyle>
             <a:p>
               <a:r>
-                <a:rPr lang="de-DE" sz="800" b="1" dirty="0" smtClean="0"/>
+                <a:rPr lang="de-DE" sz="800" b="1" dirty="0"/>
                 <a:t>Gas</a:t>
               </a:r>
             </a:p>
             <a:p>
               <a:r>
-                <a:rPr lang="de-DE" sz="800" b="1" dirty="0" smtClean="0"/>
+                <a:rPr lang="de-DE" sz="800" b="1" dirty="0"/>
                 <a:t>BHKW</a:t>
               </a:r>
             </a:p>
@@ -17740,19 +19891,19 @@
             </a:lstStyle>
             <a:p>
               <a:r>
-                <a:rPr lang="de-DE" sz="800" b="1" dirty="0" smtClean="0"/>
+                <a:rPr lang="de-DE" sz="800" b="1" dirty="0"/>
                 <a:t>Elektrisch</a:t>
               </a:r>
             </a:p>
             <a:p>
               <a:r>
-                <a:rPr lang="de-DE" sz="800" b="1" dirty="0" smtClean="0"/>
+                <a:rPr lang="de-DE" sz="800" b="1" dirty="0"/>
                 <a:t>Wärme-</a:t>
               </a:r>
             </a:p>
             <a:p>
               <a:r>
-                <a:rPr lang="de-DE" sz="800" b="1" dirty="0" smtClean="0"/>
+                <a:rPr lang="de-DE" sz="800" b="1" dirty="0"/>
                 <a:t>pump</a:t>
               </a:r>
             </a:p>
@@ -17905,13 +20056,13 @@
             </a:lstStyle>
             <a:p>
               <a:r>
-                <a:rPr lang="de-DE" sz="800" b="1" dirty="0" smtClean="0"/>
+                <a:rPr lang="de-DE" sz="800" b="1" dirty="0"/>
                 <a:t>Wasserstoff</a:t>
               </a:r>
             </a:p>
             <a:p>
               <a:r>
-                <a:rPr lang="de-DE" sz="800" b="1" dirty="0" smtClean="0"/>
+                <a:rPr lang="de-DE" sz="800" b="1" dirty="0"/>
                 <a:t>Speicher</a:t>
               </a:r>
             </a:p>
@@ -18064,13 +20215,13 @@
             </a:lstStyle>
             <a:p>
               <a:r>
-                <a:rPr lang="de-DE" sz="800" b="1" dirty="0" smtClean="0"/>
+                <a:rPr lang="de-DE" sz="800" b="1" dirty="0"/>
                 <a:t>Solarthermie</a:t>
               </a:r>
             </a:p>
             <a:p>
               <a:r>
-                <a:rPr lang="de-DE" sz="800" b="1" dirty="0" smtClean="0"/>
+                <a:rPr lang="de-DE" sz="800" b="1" dirty="0"/>
                 <a:t>Kollektor</a:t>
               </a:r>
             </a:p>
@@ -18224,14 +20375,14 @@
             <a:p>
               <a:pPr algn="ctr"/>
               <a:r>
-                <a:rPr lang="de-DE" sz="800" b="1" dirty="0" smtClean="0"/>
+                <a:rPr lang="de-DE" sz="800" b="1" dirty="0"/>
                 <a:t>Gas</a:t>
               </a:r>
             </a:p>
             <a:p>
               <a:pPr algn="ctr"/>
               <a:r>
-                <a:rPr lang="de-DE" sz="800" b="1" dirty="0" smtClean="0"/>
+                <a:rPr lang="de-DE" sz="800" b="1" dirty="0"/>
                 <a:t>Speicher</a:t>
               </a:r>
             </a:p>
@@ -18385,7 +20536,7 @@
             <a:p>
               <a:pPr algn="r"/>
               <a:r>
-                <a:rPr lang="de-DE" sz="800" b="1" dirty="0" smtClean="0"/>
+                <a:rPr lang="de-DE" sz="800" b="1" dirty="0"/>
                 <a:t>Erdgasnetz</a:t>
               </a:r>
             </a:p>
@@ -18539,7 +20690,7 @@
             <a:p>
               <a:pPr algn="r"/>
               <a:r>
-                <a:rPr lang="de-DE" sz="800" b="1" dirty="0" smtClean="0"/>
+                <a:rPr lang="de-DE" sz="800" b="1" dirty="0"/>
                 <a:t>Stromnetz</a:t>
               </a:r>
             </a:p>
@@ -18693,15 +20844,14 @@
             <a:p>
               <a:pPr algn="r"/>
               <a:r>
-                <a:rPr lang="de-DE" sz="800" b="1" dirty="0" smtClean="0"/>
+                <a:rPr lang="de-DE" sz="800" b="1" dirty="0"/>
                 <a:t>Wasserstoff</a:t>
               </a:r>
-              <a:endParaRPr lang="de-DE" sz="800" b="1" dirty="0"/>
             </a:p>
             <a:p>
               <a:pPr algn="r"/>
               <a:r>
-                <a:rPr lang="de-DE" sz="800" b="1" dirty="0" smtClean="0"/>
+                <a:rPr lang="de-DE" sz="800" b="1" dirty="0"/>
                 <a:t>Import</a:t>
               </a:r>
             </a:p>
@@ -18854,18 +21004,14 @@
             </a:lstStyle>
             <a:p>
               <a:r>
-                <a:rPr lang="de-DE" sz="800" b="1" dirty="0" smtClean="0"/>
+                <a:rPr lang="de-DE" sz="800" b="1" dirty="0"/>
                 <a:t>Absorptions-</a:t>
               </a:r>
             </a:p>
             <a:p>
               <a:r>
                 <a:rPr lang="de-DE" sz="800" b="1" dirty="0"/>
-                <a:t>k</a:t>
-              </a:r>
-              <a:r>
-                <a:rPr lang="de-DE" sz="800" b="1" dirty="0" smtClean="0"/>
-                <a:t>ältemaschine</a:t>
+                <a:t>kältemaschine</a:t>
               </a:r>
             </a:p>
           </p:txBody>
@@ -19017,13 +21163,13 @@
             </a:lstStyle>
             <a:p>
               <a:r>
-                <a:rPr lang="de-DE" sz="800" b="1" dirty="0" smtClean="0"/>
+                <a:rPr lang="de-DE" sz="800" b="1" dirty="0"/>
                 <a:t>Kompressor-</a:t>
               </a:r>
             </a:p>
             <a:p>
               <a:r>
-                <a:rPr lang="de-DE" sz="800" b="1" dirty="0" smtClean="0"/>
+                <a:rPr lang="de-DE" sz="800" b="1" dirty="0"/>
                 <a:t>kältemaschine</a:t>
               </a:r>
             </a:p>
@@ -19176,7 +21322,7 @@
             </a:lstStyle>
             <a:p>
               <a:r>
-                <a:rPr lang="de-DE" sz="800" b="1" dirty="0" smtClean="0"/>
+                <a:rPr lang="de-DE" sz="800" b="1" dirty="0"/>
                 <a:t>Kältespeicher</a:t>
               </a:r>
             </a:p>
@@ -19329,7 +21475,7 @@
             </a:lstStyle>
             <a:p>
               <a:r>
-                <a:rPr lang="de-DE" sz="800" b="1" dirty="0" smtClean="0"/>
+                <a:rPr lang="de-DE" sz="800" b="1" dirty="0"/>
                 <a:t>Kältebedarf</a:t>
               </a:r>
             </a:p>
@@ -19482,7 +21628,7 @@
             </a:lstStyle>
             <a:p>
               <a:r>
-                <a:rPr lang="de-DE" sz="800" b="1" dirty="0" smtClean="0"/>
+                <a:rPr lang="de-DE" sz="800" b="1" dirty="0"/>
                 <a:t>Wasserstoffbedarf</a:t>
               </a:r>
             </a:p>
@@ -19635,7 +21781,7 @@
             </a:lstStyle>
             <a:p>
               <a:r>
-                <a:rPr lang="de-DE" sz="800" b="1" dirty="0" smtClean="0"/>
+                <a:rPr lang="de-DE" sz="800" b="1" dirty="0"/>
                 <a:t>Strombedarf</a:t>
               </a:r>
             </a:p>
@@ -19788,7 +21934,7 @@
             </a:lstStyle>
             <a:p>
               <a:r>
-                <a:rPr lang="de-DE" sz="800" b="1" dirty="0" smtClean="0"/>
+                <a:rPr lang="de-DE" sz="800" b="1" dirty="0"/>
                 <a:t>Wärmespeicher</a:t>
               </a:r>
             </a:p>
@@ -27943,7 +30089,7 @@
 </p:sld>
 </file>
 
-<file path=ppt/slides/slide4.xml><?xml version="1.0" encoding="utf-8"?>
+<file path=ppt/slides/slide5.xml><?xml version="1.0" encoding="utf-8"?>
 <p:sld xmlns:a="http://schemas.openxmlformats.org/drawingml/2006/main" xmlns:r="http://schemas.openxmlformats.org/officeDocument/2006/relationships" xmlns:p="http://schemas.openxmlformats.org/presentationml/2006/main">
   <p:cSld>
     <p:spTree>
@@ -27976,10 +30122,9 @@
           <a:lstStyle/>
           <a:p>
             <a:r>
-              <a:rPr lang="de-DE" dirty="0" smtClean="0"/>
+              <a:rPr lang="de-DE" dirty="0"/>
               <a:t>Homo</a:t>
             </a:r>
-            <a:endParaRPr lang="de-DE" dirty="0"/>
           </a:p>
         </p:txBody>
       </p:sp>
@@ -28229,7 +30374,7 @@
           <a:lstStyle/>
           <a:p>
             <a:r>
-              <a:rPr lang="de-DE" sz="800" b="1" dirty="0" err="1" smtClean="0"/>
+              <a:rPr lang="de-DE" sz="800" b="1" dirty="0" err="1"/>
               <a:t>HomoStorage</a:t>
             </a:r>
             <a:endParaRPr lang="de-DE" sz="800" b="1" dirty="0"/>
@@ -28653,17 +30798,10 @@
   <p:clrMapOvr>
     <a:masterClrMapping/>
   </p:clrMapOvr>
-  <p:timing>
-    <p:tnLst>
-      <p:par>
-        <p:cTn id="1" dur="indefinite" restart="never" nodeType="tmRoot"/>
-      </p:par>
-    </p:tnLst>
-  </p:timing>
 </p:sld>
 </file>
 
-<file path=ppt/slides/slide5.xml><?xml version="1.0" encoding="utf-8"?>
+<file path=ppt/slides/slide6.xml><?xml version="1.0" encoding="utf-8"?>
 <p:sld xmlns:a="http://schemas.openxmlformats.org/drawingml/2006/main" xmlns:r="http://schemas.openxmlformats.org/officeDocument/2006/relationships" xmlns:p="http://schemas.openxmlformats.org/presentationml/2006/main">
   <p:cSld>
     <p:spTree>
@@ -28731,7 +30869,7 @@
           <a:lstStyle/>
           <a:p>
             <a:r>
-              <a:rPr lang="de-DE" dirty="0" err="1" smtClean="0"/>
+              <a:rPr lang="de-DE" dirty="0" err="1"/>
               <a:t>HeatExchanger</a:t>
             </a:r>
             <a:endParaRPr lang="de-DE" dirty="0"/>
@@ -28791,10 +30929,9 @@
           <a:p>
             <a:pPr algn="r"/>
             <a:r>
-              <a:rPr lang="de-DE" sz="800" b="1" dirty="0" smtClean="0"/>
+              <a:rPr lang="de-DE" sz="800" b="1" dirty="0"/>
               <a:t>Wärmenetz</a:t>
             </a:r>
-            <a:endParaRPr lang="de-DE" sz="800" b="1" dirty="0"/>
           </a:p>
         </p:txBody>
       </p:sp>
@@ -28821,7 +30958,7 @@
           <a:lstStyle/>
           <a:p>
             <a:r>
-              <a:rPr lang="de-DE" sz="800" b="1" dirty="0" err="1" smtClean="0"/>
+              <a:rPr lang="de-DE" sz="800" b="1" dirty="0" err="1"/>
               <a:t>HomoStorage</a:t>
             </a:r>
             <a:endParaRPr lang="de-DE" sz="800" b="1" dirty="0"/>
@@ -29328,17 +31465,10 @@
   <p:clrMapOvr>
     <a:masterClrMapping/>
   </p:clrMapOvr>
-  <p:timing>
-    <p:tnLst>
-      <p:par>
-        <p:cTn id="1" dur="indefinite" restart="never" nodeType="tmRoot"/>
-      </p:par>
-    </p:tnLst>
-  </p:timing>
 </p:sld>
 </file>
 
-<file path=ppt/slides/slide6.xml><?xml version="1.0" encoding="utf-8"?>
+<file path=ppt/slides/slide7.xml><?xml version="1.0" encoding="utf-8"?>
 <p:sld xmlns:a="http://schemas.openxmlformats.org/drawingml/2006/main" xmlns:r="http://schemas.openxmlformats.org/officeDocument/2006/relationships" xmlns:p="http://schemas.openxmlformats.org/presentationml/2006/main">
   <p:cSld>
     <p:spTree>
@@ -31807,13 +33937,6 @@
   <p:clrMapOvr>
     <a:masterClrMapping/>
   </p:clrMapOvr>
-  <p:timing>
-    <p:tnLst>
-      <p:par>
-        <p:cTn id="1" dur="indefinite" restart="never" nodeType="tmRoot"/>
-      </p:par>
-    </p:tnLst>
-  </p:timing>
 </p:sld>
 </file>
 
